--- a/presentation.pptx
+++ b/presentation.pptx
@@ -3,16 +3,19 @@
 <p:presentation xmlns:a="http://schemas.openxmlformats.org/drawingml/2006/main" xmlns:p="http://schemas.openxmlformats.org/presentationml/2006/main" xmlns:r="http://schemas.openxmlformats.org/officeDocument/2006/relationships" xmlns:p14="http://schemas.microsoft.com/office/powerpoint/2010/main" xmlns:p15="http://schemas.microsoft.com/office/powerpoint/2012/main" xmlns:mc="http://schemas.openxmlformats.org/markup-compatibility/2006">
   <p:sldMasterIdLst>
     <p:sldMasterId id="2147483648" r:id="rId2"/>
+    <p:sldMasterId id="2147483650" r:id="rId3"/>
   </p:sldMasterIdLst>
   <p:sldIdLst>
-    <p:sldId id="256" r:id="rId3"/>
-    <p:sldId id="257" r:id="rId4"/>
-    <p:sldId id="258" r:id="rId5"/>
-    <p:sldId id="259" r:id="rId6"/>
-    <p:sldId id="260" r:id="rId7"/>
-    <p:sldId id="261" r:id="rId8"/>
-    <p:sldId id="262" r:id="rId9"/>
-    <p:sldId id="263" r:id="rId10"/>
+    <p:sldId id="256" r:id="rId4"/>
+    <p:sldId id="257" r:id="rId5"/>
+    <p:sldId id="258" r:id="rId6"/>
+    <p:sldId id="259" r:id="rId7"/>
+    <p:sldId id="260" r:id="rId8"/>
+    <p:sldId id="261" r:id="rId9"/>
+    <p:sldId id="262" r:id="rId10"/>
+    <p:sldId id="263" r:id="rId11"/>
+    <p:sldId id="264" r:id="rId12"/>
+    <p:sldId id="265" r:id="rId13"/>
   </p:sldIdLst>
   <p:sldSz cx="10080625" cy="5670550"/>
   <p:notesSz cx="7559675" cy="10691813"/>
@@ -49,7 +52,7 @@
         <p:spPr>
           <a:xfrm>
             <a:off x="504000" y="226080"/>
-            <a:ext cx="9071640" cy="946440"/>
+            <a:ext cx="9071280" cy="946080"/>
           </a:xfrm>
           <a:prstGeom prst="rect">
             <a:avLst/>
@@ -89,7 +92,7 @@
         <p:spPr>
           <a:xfrm>
             <a:off x="504000" y="1326600"/>
-            <a:ext cx="9071640" cy="3288240"/>
+            <a:ext cx="9071280" cy="3287880"/>
           </a:xfrm>
           <a:prstGeom prst="rect">
             <a:avLst/>
@@ -126,7 +129,7 @@
             <a:spLocks noGrp="1"/>
           </p:cNvSpPr>
           <p:nvPr>
-            <p:ph type="ftr" idx="2"/>
+            <p:ph type="ftr" idx="1"/>
           </p:nvPr>
         </p:nvSpPr>
         <p:spPr/>
@@ -146,14 +149,14 @@
             <a:spLocks noGrp="1"/>
           </p:cNvSpPr>
           <p:nvPr>
-            <p:ph type="sldNum" idx="3"/>
+            <p:ph type="sldNum" idx="2"/>
           </p:nvPr>
         </p:nvSpPr>
         <p:spPr/>
         <p:txBody>
           <a:bodyPr/>
           <a:p>
-            <a:fld id="{980BF0F4-E406-45BE-A938-3D958DA25E1F}" type="slidenum">
+            <a:fld id="{A64CEE2F-F978-4B7A-9552-FB24F58BD65F}" type="slidenum">
               <a:t>&lt;#&gt;</a:t>
             </a:fld>
           </a:p>
@@ -166,7 +169,7 @@
             <a:spLocks noGrp="1"/>
           </p:cNvSpPr>
           <p:nvPr>
-            <p:ph type="dt" idx="1"/>
+            <p:ph type="dt" idx="3"/>
           </p:nvPr>
         </p:nvSpPr>
         <p:spPr/>
@@ -186,8 +189,8 @@
 </file>
 
 <file path=ppt/slideLayouts/slideLayout2.xml><?xml version="1.0" encoding="utf-8"?>
-<p:sldLayout xmlns:a="http://schemas.openxmlformats.org/drawingml/2006/main" xmlns:p="http://schemas.openxmlformats.org/presentationml/2006/main" xmlns:r="http://schemas.openxmlformats.org/officeDocument/2006/relationships" xmlns:p14="http://schemas.microsoft.com/office/powerpoint/2010/main" xmlns:p15="http://schemas.microsoft.com/office/powerpoint/2012/main" xmlns:mc="http://schemas.openxmlformats.org/markup-compatibility/2006" type="title" preserve="1">
-  <p:cSld name="Standard">
+<p:sldLayout xmlns:a="http://schemas.openxmlformats.org/drawingml/2006/main" xmlns:p="http://schemas.openxmlformats.org/presentationml/2006/main" xmlns:r="http://schemas.openxmlformats.org/officeDocument/2006/relationships" xmlns:p14="http://schemas.microsoft.com/office/powerpoint/2010/main" xmlns:p15="http://schemas.microsoft.com/office/powerpoint/2012/main" xmlns:mc="http://schemas.openxmlformats.org/markup-compatibility/2006" type="tx" preserve="1">
+  <p:cSld name="Standard 1">
     <p:spTree>
       <p:nvGrpSpPr>
         <p:cNvPr id="1" name=""/>
@@ -204,7 +207,7 @@
       </p:grpSpPr>
       <p:sp>
         <p:nvSpPr>
-          <p:cNvPr id="7" name="PlaceHolder 1"/>
+          <p:cNvPr id="12" name="PlaceHolder 1"/>
           <p:cNvSpPr>
             <a:spLocks noGrp="1"/>
           </p:cNvSpPr>
@@ -215,7 +218,7 @@
         <p:spPr>
           <a:xfrm>
             <a:off x="504000" y="226080"/>
-            <a:ext cx="9071640" cy="946440"/>
+            <a:ext cx="9071280" cy="946080"/>
           </a:xfrm>
           <a:prstGeom prst="rect">
             <a:avLst/>
@@ -244,18 +247,18 @@
       </p:sp>
       <p:sp>
         <p:nvSpPr>
-          <p:cNvPr id="8" name="PlaceHolder 2"/>
-          <p:cNvSpPr>
-            <a:spLocks noGrp="1"/>
-          </p:cNvSpPr>
-          <p:nvPr>
-            <p:ph type="subTitle"/>
+          <p:cNvPr id="13" name="PlaceHolder 2"/>
+          <p:cNvSpPr>
+            <a:spLocks noGrp="1"/>
+          </p:cNvSpPr>
+          <p:nvPr>
+            <p:ph/>
           </p:nvPr>
         </p:nvSpPr>
         <p:spPr>
           <a:xfrm>
             <a:off x="504000" y="1326600"/>
-            <a:ext cx="9071640" cy="3288240"/>
+            <a:ext cx="9071280" cy="3287880"/>
           </a:xfrm>
           <a:prstGeom prst="rect">
             <a:avLst/>
@@ -266,6 +269,132 @@
           </a:ln>
         </p:spPr>
         <p:txBody>
+          <a:bodyPr lIns="0" rIns="0" tIns="0" bIns="0" anchor="t">
+            <a:normAutofit/>
+          </a:bodyPr>
+          <a:p>
+            <a:pPr indent="0">
+              <a:spcBef>
+                <a:spcPts val="1417"/>
+              </a:spcBef>
+              <a:buNone/>
+            </a:pPr>
+            <a:endParaRPr b="0" lang="fr-FR" sz="3200" spc="-1" strike="noStrike">
+              <a:solidFill>
+                <a:srgbClr val="000000"/>
+              </a:solidFill>
+              <a:latin typeface="Arial"/>
+            </a:endParaRPr>
+          </a:p>
+        </p:txBody>
+      </p:sp>
+      <p:sp>
+        <p:nvSpPr>
+          <p:cNvPr id="4" name="PlaceHolder 3"/>
+          <p:cNvSpPr>
+            <a:spLocks noGrp="1"/>
+          </p:cNvSpPr>
+          <p:nvPr>
+            <p:ph type="ftr" idx="4"/>
+          </p:nvPr>
+        </p:nvSpPr>
+        <p:spPr/>
+        <p:txBody>
+          <a:bodyPr/>
+          <a:p>
+            <a:r>
+              <a:t>Footer</a:t>
+            </a:r>
+          </a:p>
+        </p:txBody>
+      </p:sp>
+      <p:sp>
+        <p:nvSpPr>
+          <p:cNvPr id="5" name="PlaceHolder 4"/>
+          <p:cNvSpPr>
+            <a:spLocks noGrp="1"/>
+          </p:cNvSpPr>
+          <p:nvPr>
+            <p:ph type="sldNum" idx="5"/>
+          </p:nvPr>
+        </p:nvSpPr>
+        <p:spPr/>
+        <p:txBody>
+          <a:bodyPr/>
+          <a:p>
+            <a:fld id="{82CF2869-0CCE-4E92-8559-B688FF41CBB1}" type="slidenum">
+              <a:t>&lt;#&gt;</a:t>
+            </a:fld>
+          </a:p>
+        </p:txBody>
+      </p:sp>
+      <p:sp>
+        <p:nvSpPr>
+          <p:cNvPr id="6" name="PlaceHolder 5"/>
+          <p:cNvSpPr>
+            <a:spLocks noGrp="1"/>
+          </p:cNvSpPr>
+          <p:nvPr>
+            <p:ph type="dt" idx="6"/>
+          </p:nvPr>
+        </p:nvSpPr>
+        <p:spPr/>
+        <p:txBody>
+          <a:bodyPr/>
+          <a:p>
+            <a:r>
+              <a:rPr lang="fr-FR"/>
+              <a:t/>
+            </a:r>
+          </a:p>
+        </p:txBody>
+      </p:sp>
+    </p:spTree>
+  </p:cSld>
+</p:sldLayout>
+</file>
+
+<file path=ppt/slideLayouts/slideLayout3.xml><?xml version="1.0" encoding="utf-8"?>
+<p:sldLayout xmlns:a="http://schemas.openxmlformats.org/drawingml/2006/main" xmlns:p="http://schemas.openxmlformats.org/presentationml/2006/main" xmlns:r="http://schemas.openxmlformats.org/officeDocument/2006/relationships" xmlns:p14="http://schemas.microsoft.com/office/powerpoint/2010/main" xmlns:p15="http://schemas.microsoft.com/office/powerpoint/2012/main" xmlns:mc="http://schemas.openxmlformats.org/markup-compatibility/2006" type="title" preserve="1">
+  <p:cSld name="Standard 1">
+    <p:spTree>
+      <p:nvGrpSpPr>
+        <p:cNvPr id="1" name=""/>
+        <p:cNvGrpSpPr/>
+        <p:nvPr/>
+      </p:nvGrpSpPr>
+      <p:grpSpPr>
+        <a:xfrm>
+          <a:off x="0" y="0"/>
+          <a:ext cx="0" cy="0"/>
+          <a:chOff x="0" y="0"/>
+          <a:chExt cx="0" cy="0"/>
+        </a:xfrm>
+      </p:grpSpPr>
+      <p:sp>
+        <p:nvSpPr>
+          <p:cNvPr id="14" name="PlaceHolder 1"/>
+          <p:cNvSpPr>
+            <a:spLocks noGrp="1"/>
+          </p:cNvSpPr>
+          <p:nvPr>
+            <p:ph type="title"/>
+          </p:nvPr>
+        </p:nvSpPr>
+        <p:spPr>
+          <a:xfrm>
+            <a:off x="504000" y="226080"/>
+            <a:ext cx="9071280" cy="946080"/>
+          </a:xfrm>
+          <a:prstGeom prst="rect">
+            <a:avLst/>
+          </a:prstGeom>
+          <a:noFill/>
+          <a:ln w="0">
+            <a:noFill/>
+          </a:ln>
+        </p:spPr>
+        <p:txBody>
           <a:bodyPr lIns="0" rIns="0" tIns="0" bIns="0" anchor="ctr">
             <a:noAutofit/>
           </a:bodyPr>
@@ -273,6 +402,46 @@
             <a:pPr indent="0" algn="ctr">
               <a:buNone/>
             </a:pPr>
+            <a:endParaRPr b="0" lang="fr-FR" sz="4400" spc="-1" strike="noStrike">
+              <a:solidFill>
+                <a:srgbClr val="000000"/>
+              </a:solidFill>
+              <a:latin typeface="Arial"/>
+            </a:endParaRPr>
+          </a:p>
+        </p:txBody>
+      </p:sp>
+      <p:sp>
+        <p:nvSpPr>
+          <p:cNvPr id="15" name="PlaceHolder 2"/>
+          <p:cNvSpPr>
+            <a:spLocks noGrp="1"/>
+          </p:cNvSpPr>
+          <p:nvPr>
+            <p:ph type="subTitle"/>
+          </p:nvPr>
+        </p:nvSpPr>
+        <p:spPr>
+          <a:xfrm>
+            <a:off x="504000" y="1326600"/>
+            <a:ext cx="9071280" cy="3287880"/>
+          </a:xfrm>
+          <a:prstGeom prst="rect">
+            <a:avLst/>
+          </a:prstGeom>
+          <a:noFill/>
+          <a:ln w="0">
+            <a:noFill/>
+          </a:ln>
+        </p:spPr>
+        <p:txBody>
+          <a:bodyPr lIns="0" rIns="0" tIns="0" bIns="0" anchor="ctr">
+            <a:noAutofit/>
+          </a:bodyPr>
+          <a:p>
+            <a:pPr indent="0" algn="ctr">
+              <a:buNone/>
+            </a:pPr>
             <a:endParaRPr b="0" lang="fr-FR" sz="3200" spc="-1" strike="noStrike">
               <a:solidFill>
                 <a:srgbClr val="000000"/>
@@ -289,7 +458,7 @@
             <a:spLocks noGrp="1"/>
           </p:cNvSpPr>
           <p:nvPr>
-            <p:ph type="ftr" idx="2"/>
+            <p:ph type="ftr" idx="4"/>
           </p:nvPr>
         </p:nvSpPr>
         <p:spPr/>
@@ -309,14 +478,14 @@
             <a:spLocks noGrp="1"/>
           </p:cNvSpPr>
           <p:nvPr>
-            <p:ph type="sldNum" idx="3"/>
+            <p:ph type="sldNum" idx="5"/>
           </p:nvPr>
         </p:nvSpPr>
         <p:spPr/>
         <p:txBody>
           <a:bodyPr/>
           <a:p>
-            <a:fld id="{B0F09304-8C5C-4EDB-AB25-23967BD10429}" type="slidenum">
+            <a:fld id="{1048E170-9BCE-4E09-8CA4-5B8D6E16C57E}" type="slidenum">
               <a:t>&lt;#&gt;</a:t>
             </a:fld>
           </a:p>
@@ -329,7 +498,7 @@
             <a:spLocks noGrp="1"/>
           </p:cNvSpPr>
           <p:nvPr>
-            <p:ph type="dt" idx="1"/>
+            <p:ph type="dt" idx="6"/>
           </p:nvPr>
         </p:nvSpPr>
         <p:spPr/>
@@ -378,7 +547,7 @@
         <p:spPr>
           <a:xfrm>
             <a:off x="504000" y="226080"/>
-            <a:ext cx="9071640" cy="946440"/>
+            <a:ext cx="9071280" cy="946080"/>
           </a:xfrm>
           <a:prstGeom prst="rect">
             <a:avLst/>
@@ -393,11 +562,11 @@
             <a:noAutofit/>
           </a:bodyPr>
           <a:p>
-            <a:pPr indent="0" algn="ctr">
+            <a:pPr indent="0">
               <a:buNone/>
             </a:pPr>
             <a:r>
-              <a:rPr b="0" lang="fr-FR" sz="4400" spc="-1" strike="noStrike">
+              <a:rPr b="0" lang="fr-FR" sz="1800" spc="-1" strike="noStrike">
                 <a:solidFill>
                   <a:srgbClr val="000000"/>
                 </a:solidFill>
@@ -405,7 +574,7 @@
               </a:rPr>
               <a:t>Cliquez pour éditer le format du texte-titre</a:t>
             </a:r>
-            <a:endParaRPr b="0" lang="fr-FR" sz="4400" spc="-1" strike="noStrike">
+            <a:endParaRPr b="0" lang="fr-FR" sz="1800" spc="-1" strike="noStrike">
               <a:solidFill>
                 <a:srgbClr val="000000"/>
               </a:solidFill>
@@ -427,7 +596,7 @@
         <p:spPr>
           <a:xfrm>
             <a:off x="504000" y="1326600"/>
-            <a:ext cx="9071640" cy="3288240"/>
+            <a:ext cx="9071280" cy="3287880"/>
           </a:xfrm>
           <a:prstGeom prst="rect">
             <a:avLst/>
@@ -454,7 +623,7 @@
               <a:buChar char=""/>
             </a:pPr>
             <a:r>
-              <a:rPr b="0" lang="fr-FR" sz="3200" spc="-1" strike="noStrike">
+              <a:rPr b="0" lang="fr-FR" sz="1800" spc="-1" strike="noStrike">
                 <a:solidFill>
                   <a:srgbClr val="000000"/>
                 </a:solidFill>
@@ -462,7 +631,7 @@
               </a:rPr>
               <a:t>Cliquez pour éditer le format du plan de texte</a:t>
             </a:r>
-            <a:endParaRPr b="0" lang="fr-FR" sz="3200" spc="-1" strike="noStrike">
+            <a:endParaRPr b="0" lang="fr-FR" sz="1800" spc="-1" strike="noStrike">
               <a:solidFill>
                 <a:srgbClr val="000000"/>
               </a:solidFill>
@@ -482,7 +651,7 @@
               <a:buChar char=""/>
             </a:pPr>
             <a:r>
-              <a:rPr b="0" lang="fr-FR" sz="2800" spc="-1" strike="noStrike">
+              <a:rPr b="0" lang="fr-FR" sz="1800" spc="-1" strike="noStrike">
                 <a:solidFill>
                   <a:srgbClr val="000000"/>
                 </a:solidFill>
@@ -490,7 +659,7 @@
               </a:rPr>
               <a:t>Second niveau de plan</a:t>
             </a:r>
-            <a:endParaRPr b="0" lang="fr-FR" sz="2800" spc="-1" strike="noStrike">
+            <a:endParaRPr b="0" lang="fr-FR" sz="1800" spc="-1" strike="noStrike">
               <a:solidFill>
                 <a:srgbClr val="000000"/>
               </a:solidFill>
@@ -510,7 +679,7 @@
               <a:buChar char=""/>
             </a:pPr>
             <a:r>
-              <a:rPr b="0" lang="fr-FR" sz="2400" spc="-1" strike="noStrike">
+              <a:rPr b="0" lang="fr-FR" sz="1800" spc="-1" strike="noStrike">
                 <a:solidFill>
                   <a:srgbClr val="000000"/>
                 </a:solidFill>
@@ -518,7 +687,7 @@
               </a:rPr>
               <a:t>Troisième niveau de plan</a:t>
             </a:r>
-            <a:endParaRPr b="0" lang="fr-FR" sz="2400" spc="-1" strike="noStrike">
+            <a:endParaRPr b="0" lang="fr-FR" sz="1800" spc="-1" strike="noStrike">
               <a:solidFill>
                 <a:srgbClr val="000000"/>
               </a:solidFill>
@@ -538,7 +707,7 @@
               <a:buChar char=""/>
             </a:pPr>
             <a:r>
-              <a:rPr b="0" lang="fr-FR" sz="2000" spc="-1" strike="noStrike">
+              <a:rPr b="0" lang="fr-FR" sz="1800" spc="-1" strike="noStrike">
                 <a:solidFill>
                   <a:srgbClr val="000000"/>
                 </a:solidFill>
@@ -546,7 +715,7 @@
               </a:rPr>
               <a:t>Quatrième niveau de plan</a:t>
             </a:r>
-            <a:endParaRPr b="0" lang="fr-FR" sz="2000" spc="-1" strike="noStrike">
+            <a:endParaRPr b="0" lang="fr-FR" sz="1800" spc="-1" strike="noStrike">
               <a:solidFill>
                 <a:srgbClr val="000000"/>
               </a:solidFill>
@@ -566,7 +735,7 @@
               <a:buChar char=""/>
             </a:pPr>
             <a:r>
-              <a:rPr b="0" lang="fr-FR" sz="2000" spc="-1" strike="noStrike">
+              <a:rPr b="0" lang="fr-FR" sz="1800" spc="-1" strike="noStrike">
                 <a:solidFill>
                   <a:srgbClr val="000000"/>
                 </a:solidFill>
@@ -574,7 +743,7 @@
               </a:rPr>
               <a:t>Cinquième niveau de plan</a:t>
             </a:r>
-            <a:endParaRPr b="0" lang="fr-FR" sz="2000" spc="-1" strike="noStrike">
+            <a:endParaRPr b="0" lang="fr-FR" sz="1800" spc="-1" strike="noStrike">
               <a:solidFill>
                 <a:srgbClr val="000000"/>
               </a:solidFill>
@@ -594,7 +763,7 @@
               <a:buChar char=""/>
             </a:pPr>
             <a:r>
-              <a:rPr b="0" lang="fr-FR" sz="2000" spc="-1" strike="noStrike">
+              <a:rPr b="0" lang="fr-FR" sz="1800" spc="-1" strike="noStrike">
                 <a:solidFill>
                   <a:srgbClr val="000000"/>
                 </a:solidFill>
@@ -602,7 +771,7 @@
               </a:rPr>
               <a:t>Sixième niveau de plan</a:t>
             </a:r>
-            <a:endParaRPr b="0" lang="fr-FR" sz="2000" spc="-1" strike="noStrike">
+            <a:endParaRPr b="0" lang="fr-FR" sz="1800" spc="-1" strike="noStrike">
               <a:solidFill>
                 <a:srgbClr val="000000"/>
               </a:solidFill>
@@ -622,7 +791,7 @@
               <a:buChar char=""/>
             </a:pPr>
             <a:r>
-              <a:rPr b="0" lang="fr-FR" sz="2000" spc="-1" strike="noStrike">
+              <a:rPr b="0" lang="fr-FR" sz="1800" spc="-1" strike="noStrike">
                 <a:solidFill>
                   <a:srgbClr val="000000"/>
                 </a:solidFill>
@@ -630,7 +799,7 @@
               </a:rPr>
               <a:t>Septième niveau de plan</a:t>
             </a:r>
-            <a:endParaRPr b="0" lang="fr-FR" sz="2000" spc="-1" strike="noStrike">
+            <a:endParaRPr b="0" lang="fr-FR" sz="1800" spc="-1" strike="noStrike">
               <a:solidFill>
                 <a:srgbClr val="000000"/>
               </a:solidFill>
@@ -646,13 +815,13 @@
             <a:spLocks noGrp="1"/>
           </p:cNvSpPr>
           <p:nvPr>
-            <p:ph type="dt" idx="1"/>
+            <p:ph type="ftr" idx="1"/>
           </p:nvPr>
         </p:nvSpPr>
         <p:spPr>
           <a:xfrm>
-            <a:off x="504000" y="5165280"/>
-            <a:ext cx="2348280" cy="390600"/>
+            <a:off x="3447360" y="5165280"/>
+            <a:ext cx="3194640" cy="390240"/>
           </a:xfrm>
           <a:prstGeom prst="rect">
             <a:avLst/>
@@ -667,8 +836,14 @@
             <a:noAutofit/>
           </a:bodyPr>
           <a:lstStyle>
-            <a:lvl1pPr indent="0">
+            <a:lvl1pPr indent="0" algn="ctr">
+              <a:lnSpc>
+                <a:spcPct val="100000"/>
+              </a:lnSpc>
               <a:buNone/>
+              <a:tabLst>
+                <a:tab algn="l" pos="0"/>
+              </a:tabLst>
               <a:defRPr b="0" lang="fr-FR" sz="1400" spc="-1" strike="noStrike">
                 <a:solidFill>
                   <a:srgbClr val="000000"/>
@@ -678,8 +853,14 @@
             </a:lvl1pPr>
           </a:lstStyle>
           <a:p>
-            <a:pPr indent="0">
+            <a:pPr indent="0" algn="ctr">
+              <a:lnSpc>
+                <a:spcPct val="100000"/>
+              </a:lnSpc>
               <a:buNone/>
+              <a:tabLst>
+                <a:tab algn="l" pos="0"/>
+              </a:tabLst>
             </a:pPr>
             <a:r>
               <a:rPr b="0" lang="fr-FR" sz="1400" spc="-1" strike="noStrike">
@@ -688,7 +869,7 @@
                 </a:solidFill>
                 <a:latin typeface="Times New Roman"/>
               </a:rPr>
-              <a:t>&lt;date/heure&gt;</a:t>
+              <a:t>&lt;pied de page&gt;</a:t>
             </a:r>
             <a:endParaRPr b="0" lang="fr-FR" sz="1400" spc="-1" strike="noStrike">
               <a:solidFill>
@@ -706,13 +887,13 @@
             <a:spLocks noGrp="1"/>
           </p:cNvSpPr>
           <p:nvPr>
-            <p:ph type="ftr" idx="2"/>
+            <p:ph type="sldNum" idx="2"/>
           </p:nvPr>
         </p:nvSpPr>
         <p:spPr>
           <a:xfrm>
-            <a:off x="3447360" y="5165280"/>
-            <a:ext cx="3195000" cy="390600"/>
+            <a:off x="7227360" y="5165280"/>
+            <a:ext cx="2347920" cy="390240"/>
           </a:xfrm>
           <a:prstGeom prst="rect">
             <a:avLst/>
@@ -727,8 +908,14 @@
             <a:noAutofit/>
           </a:bodyPr>
           <a:lstStyle>
-            <a:lvl1pPr indent="0" algn="ctr">
+            <a:lvl1pPr indent="0" algn="r">
+              <a:lnSpc>
+                <a:spcPct val="100000"/>
+              </a:lnSpc>
               <a:buNone/>
+              <a:tabLst>
+                <a:tab algn="l" pos="0"/>
+              </a:tabLst>
               <a:defRPr b="0" lang="fr-FR" sz="1400" spc="-1" strike="noStrike">
                 <a:solidFill>
                   <a:srgbClr val="000000"/>
@@ -738,18 +925,24 @@
             </a:lvl1pPr>
           </a:lstStyle>
           <a:p>
-            <a:pPr indent="0" algn="ctr">
+            <a:pPr indent="0" algn="r">
+              <a:lnSpc>
+                <a:spcPct val="100000"/>
+              </a:lnSpc>
               <a:buNone/>
-            </a:pPr>
-            <a:r>
+              <a:tabLst>
+                <a:tab algn="l" pos="0"/>
+              </a:tabLst>
+            </a:pPr>
+            <a:fld id="{AFADB1D6-6917-4DFC-8365-11A35FAF041D}" type="slidenum">
               <a:rPr b="0" lang="fr-FR" sz="1400" spc="-1" strike="noStrike">
                 <a:solidFill>
                   <a:srgbClr val="000000"/>
                 </a:solidFill>
                 <a:latin typeface="Times New Roman"/>
               </a:rPr>
-              <a:t>&lt;pied de page&gt;</a:t>
-            </a:r>
+              <a:t>&lt;numéro&gt;</a:t>
+            </a:fld>
             <a:endParaRPr b="0" lang="fr-FR" sz="1400" spc="-1" strike="noStrike">
               <a:solidFill>
                 <a:srgbClr val="000000"/>
@@ -766,13 +959,13 @@
             <a:spLocks noGrp="1"/>
           </p:cNvSpPr>
           <p:nvPr>
-            <p:ph type="sldNum" idx="3"/>
+            <p:ph type="dt" idx="3"/>
           </p:nvPr>
         </p:nvSpPr>
         <p:spPr>
           <a:xfrm>
-            <a:off x="7227360" y="5165280"/>
-            <a:ext cx="2348280" cy="390600"/>
+            <a:off x="504000" y="5165280"/>
+            <a:ext cx="2347920" cy="390240"/>
           </a:xfrm>
           <a:prstGeom prst="rect">
             <a:avLst/>
@@ -787,7 +980,7 @@
             <a:noAutofit/>
           </a:bodyPr>
           <a:lstStyle>
-            <a:lvl1pPr indent="0" algn="r">
+            <a:lvl1pPr indent="0">
               <a:buNone/>
               <a:defRPr b="0" lang="fr-FR" sz="1400" spc="-1" strike="noStrike">
                 <a:solidFill>
@@ -798,18 +991,18 @@
             </a:lvl1pPr>
           </a:lstStyle>
           <a:p>
-            <a:pPr indent="0" algn="r">
+            <a:pPr indent="0">
               <a:buNone/>
             </a:pPr>
-            <a:fld id="{1543EA54-FE41-4E02-A0D7-B38C17084858}" type="slidenum">
+            <a:r>
               <a:rPr b="0" lang="fr-FR" sz="1400" spc="-1" strike="noStrike">
                 <a:solidFill>
                   <a:srgbClr val="000000"/>
                 </a:solidFill>
                 <a:latin typeface="Times New Roman"/>
               </a:rPr>
-              <a:t>&lt;numéro&gt;</a:t>
-            </a:fld>
+              <a:t>&lt;date/heure&gt;</a:t>
+            </a:r>
             <a:endParaRPr b="0" lang="fr-FR" sz="1400" spc="-1" strike="noStrike">
               <a:solidFill>
                 <a:srgbClr val="000000"/>
@@ -824,7 +1017,511 @@
   <p:clrMap bg1="lt1" bg2="lt2" tx1="dk1" tx2="dk2" accent1="accent1" accent2="accent2" accent3="accent3" accent4="accent4" accent5="accent5" accent6="accent6" hlink="hlink" folHlink="folHlink"/>
   <p:sldLayoutIdLst>
     <p:sldLayoutId id="2147483649" r:id="rId2"/>
-    <p:sldLayoutId id="2147483650" r:id="rId3"/>
+  </p:sldLayoutIdLst>
+</p:sldMaster>
+</file>
+
+<file path=ppt/slideMasters/slideMaster2.xml><?xml version="1.0" encoding="utf-8"?>
+<p:sldMaster xmlns:a="http://schemas.openxmlformats.org/drawingml/2006/main" xmlns:p="http://schemas.openxmlformats.org/presentationml/2006/main" xmlns:r="http://schemas.openxmlformats.org/officeDocument/2006/relationships" xmlns:p14="http://schemas.microsoft.com/office/powerpoint/2010/main" xmlns:p15="http://schemas.microsoft.com/office/powerpoint/2012/main" xmlns:mc="http://schemas.openxmlformats.org/markup-compatibility/2006">
+  <p:cSld>
+    <p:spTree>
+      <p:nvGrpSpPr>
+        <p:cNvPr id="1" name=""/>
+        <p:cNvGrpSpPr/>
+        <p:nvPr/>
+      </p:nvGrpSpPr>
+      <p:grpSpPr>
+        <a:xfrm>
+          <a:off x="0" y="0"/>
+          <a:ext cx="0" cy="0"/>
+          <a:chOff x="0" y="0"/>
+          <a:chExt cx="0" cy="0"/>
+        </a:xfrm>
+      </p:grpSpPr>
+      <p:sp>
+        <p:nvSpPr>
+          <p:cNvPr id="7" name="PlaceHolder 1"/>
+          <p:cNvSpPr>
+            <a:spLocks noGrp="1"/>
+          </p:cNvSpPr>
+          <p:nvPr>
+            <p:ph type="title"/>
+          </p:nvPr>
+        </p:nvSpPr>
+        <p:spPr>
+          <a:xfrm>
+            <a:off x="504000" y="226080"/>
+            <a:ext cx="9071280" cy="946080"/>
+          </a:xfrm>
+          <a:prstGeom prst="rect">
+            <a:avLst/>
+          </a:prstGeom>
+          <a:noFill/>
+          <a:ln w="0">
+            <a:noFill/>
+          </a:ln>
+        </p:spPr>
+        <p:txBody>
+          <a:bodyPr lIns="0" rIns="0" tIns="0" bIns="0" anchor="ctr">
+            <a:noAutofit/>
+          </a:bodyPr>
+          <a:p>
+            <a:pPr indent="0">
+              <a:buNone/>
+            </a:pPr>
+            <a:r>
+              <a:rPr b="0" lang="fr-FR" sz="1800" spc="-1" strike="noStrike">
+                <a:solidFill>
+                  <a:srgbClr val="000000"/>
+                </a:solidFill>
+                <a:latin typeface="Arial"/>
+              </a:rPr>
+              <a:t>Cliquez pour éditer le format du texte-titre</a:t>
+            </a:r>
+            <a:endParaRPr b="0" lang="fr-FR" sz="1800" spc="-1" strike="noStrike">
+              <a:solidFill>
+                <a:srgbClr val="000000"/>
+              </a:solidFill>
+              <a:latin typeface="Arial"/>
+            </a:endParaRPr>
+          </a:p>
+        </p:txBody>
+      </p:sp>
+      <p:sp>
+        <p:nvSpPr>
+          <p:cNvPr id="8" name="PlaceHolder 2"/>
+          <p:cNvSpPr>
+            <a:spLocks noGrp="1"/>
+          </p:cNvSpPr>
+          <p:nvPr>
+            <p:ph type="ftr" idx="4"/>
+          </p:nvPr>
+        </p:nvSpPr>
+        <p:spPr>
+          <a:xfrm>
+            <a:off x="3447360" y="5165280"/>
+            <a:ext cx="3194640" cy="390240"/>
+          </a:xfrm>
+          <a:prstGeom prst="rect">
+            <a:avLst/>
+          </a:prstGeom>
+          <a:noFill/>
+          <a:ln w="0">
+            <a:noFill/>
+          </a:ln>
+        </p:spPr>
+        <p:txBody>
+          <a:bodyPr lIns="0" rIns="0" tIns="0" bIns="0" anchor="t">
+            <a:noAutofit/>
+          </a:bodyPr>
+          <a:lstStyle>
+            <a:lvl1pPr indent="0" algn="ctr">
+              <a:lnSpc>
+                <a:spcPct val="100000"/>
+              </a:lnSpc>
+              <a:buNone/>
+              <a:tabLst>
+                <a:tab algn="l" pos="0"/>
+              </a:tabLst>
+              <a:defRPr b="0" lang="fr-FR" sz="1400" spc="-1" strike="noStrike">
+                <a:solidFill>
+                  <a:srgbClr val="000000"/>
+                </a:solidFill>
+                <a:latin typeface="Times New Roman"/>
+              </a:defRPr>
+            </a:lvl1pPr>
+          </a:lstStyle>
+          <a:p>
+            <a:pPr indent="0" algn="ctr">
+              <a:lnSpc>
+                <a:spcPct val="100000"/>
+              </a:lnSpc>
+              <a:buNone/>
+              <a:tabLst>
+                <a:tab algn="l" pos="0"/>
+              </a:tabLst>
+            </a:pPr>
+            <a:r>
+              <a:rPr b="0" lang="fr-FR" sz="1400" spc="-1" strike="noStrike">
+                <a:solidFill>
+                  <a:srgbClr val="000000"/>
+                </a:solidFill>
+                <a:latin typeface="Times New Roman"/>
+              </a:rPr>
+              <a:t>&lt;pied de page&gt;</a:t>
+            </a:r>
+            <a:endParaRPr b="0" lang="fr-FR" sz="1400" spc="-1" strike="noStrike">
+              <a:solidFill>
+                <a:srgbClr val="000000"/>
+              </a:solidFill>
+              <a:latin typeface="Times New Roman"/>
+            </a:endParaRPr>
+          </a:p>
+        </p:txBody>
+      </p:sp>
+      <p:sp>
+        <p:nvSpPr>
+          <p:cNvPr id="9" name="PlaceHolder 3"/>
+          <p:cNvSpPr>
+            <a:spLocks noGrp="1"/>
+          </p:cNvSpPr>
+          <p:nvPr>
+            <p:ph type="sldNum" idx="5"/>
+          </p:nvPr>
+        </p:nvSpPr>
+        <p:spPr>
+          <a:xfrm>
+            <a:off x="7227360" y="5165280"/>
+            <a:ext cx="2347920" cy="390240"/>
+          </a:xfrm>
+          <a:prstGeom prst="rect">
+            <a:avLst/>
+          </a:prstGeom>
+          <a:noFill/>
+          <a:ln w="0">
+            <a:noFill/>
+          </a:ln>
+        </p:spPr>
+        <p:txBody>
+          <a:bodyPr lIns="0" rIns="0" tIns="0" bIns="0" anchor="t">
+            <a:noAutofit/>
+          </a:bodyPr>
+          <a:lstStyle>
+            <a:lvl1pPr indent="0" algn="r">
+              <a:lnSpc>
+                <a:spcPct val="100000"/>
+              </a:lnSpc>
+              <a:buNone/>
+              <a:tabLst>
+                <a:tab algn="l" pos="0"/>
+              </a:tabLst>
+              <a:defRPr b="0" lang="fr-FR" sz="1400" spc="-1" strike="noStrike">
+                <a:solidFill>
+                  <a:srgbClr val="000000"/>
+                </a:solidFill>
+                <a:latin typeface="Times New Roman"/>
+              </a:defRPr>
+            </a:lvl1pPr>
+          </a:lstStyle>
+          <a:p>
+            <a:pPr indent="0" algn="r">
+              <a:lnSpc>
+                <a:spcPct val="100000"/>
+              </a:lnSpc>
+              <a:buNone/>
+              <a:tabLst>
+                <a:tab algn="l" pos="0"/>
+              </a:tabLst>
+            </a:pPr>
+            <a:fld id="{BD534810-8F65-459A-A275-442C0EEAE845}" type="slidenum">
+              <a:rPr b="0" lang="fr-FR" sz="1400" spc="-1" strike="noStrike">
+                <a:solidFill>
+                  <a:srgbClr val="000000"/>
+                </a:solidFill>
+                <a:latin typeface="Times New Roman"/>
+              </a:rPr>
+              <a:t>&lt;numéro&gt;</a:t>
+            </a:fld>
+            <a:endParaRPr b="0" lang="fr-FR" sz="1400" spc="-1" strike="noStrike">
+              <a:solidFill>
+                <a:srgbClr val="000000"/>
+              </a:solidFill>
+              <a:latin typeface="Times New Roman"/>
+            </a:endParaRPr>
+          </a:p>
+        </p:txBody>
+      </p:sp>
+      <p:sp>
+        <p:nvSpPr>
+          <p:cNvPr id="10" name="PlaceHolder 4"/>
+          <p:cNvSpPr>
+            <a:spLocks noGrp="1"/>
+          </p:cNvSpPr>
+          <p:nvPr>
+            <p:ph type="dt" idx="6"/>
+          </p:nvPr>
+        </p:nvSpPr>
+        <p:spPr>
+          <a:xfrm>
+            <a:off x="504000" y="5165280"/>
+            <a:ext cx="2347920" cy="390240"/>
+          </a:xfrm>
+          <a:prstGeom prst="rect">
+            <a:avLst/>
+          </a:prstGeom>
+          <a:noFill/>
+          <a:ln w="0">
+            <a:noFill/>
+          </a:ln>
+        </p:spPr>
+        <p:txBody>
+          <a:bodyPr lIns="0" rIns="0" tIns="0" bIns="0" anchor="t">
+            <a:noAutofit/>
+          </a:bodyPr>
+          <a:lstStyle>
+            <a:lvl1pPr indent="0">
+              <a:buNone/>
+              <a:defRPr b="0" lang="fr-FR" sz="1400" spc="-1" strike="noStrike">
+                <a:solidFill>
+                  <a:srgbClr val="000000"/>
+                </a:solidFill>
+                <a:latin typeface="Times New Roman"/>
+              </a:defRPr>
+            </a:lvl1pPr>
+          </a:lstStyle>
+          <a:p>
+            <a:pPr indent="0">
+              <a:buNone/>
+            </a:pPr>
+            <a:r>
+              <a:rPr b="0" lang="fr-FR" sz="1400" spc="-1" strike="noStrike">
+                <a:solidFill>
+                  <a:srgbClr val="000000"/>
+                </a:solidFill>
+                <a:latin typeface="Times New Roman"/>
+              </a:rPr>
+              <a:t>&lt;date/heure&gt;</a:t>
+            </a:r>
+            <a:endParaRPr b="0" lang="fr-FR" sz="1400" spc="-1" strike="noStrike">
+              <a:solidFill>
+                <a:srgbClr val="000000"/>
+              </a:solidFill>
+              <a:latin typeface="Times New Roman"/>
+            </a:endParaRPr>
+          </a:p>
+        </p:txBody>
+      </p:sp>
+      <p:sp>
+        <p:nvSpPr>
+          <p:cNvPr id="11" name="PlaceHolder 5"/>
+          <p:cNvSpPr>
+            <a:spLocks noGrp="1"/>
+          </p:cNvSpPr>
+          <p:nvPr>
+            <p:ph type="body"/>
+          </p:nvPr>
+        </p:nvSpPr>
+        <p:spPr>
+          <a:xfrm>
+            <a:off x="504000" y="1326600"/>
+            <a:ext cx="9072000" cy="3288600"/>
+          </a:xfrm>
+          <a:prstGeom prst="rect">
+            <a:avLst/>
+          </a:prstGeom>
+          <a:noFill/>
+          <a:ln w="0">
+            <a:noFill/>
+          </a:ln>
+        </p:spPr>
+        <p:txBody>
+          <a:bodyPr lIns="0" rIns="0" tIns="0" bIns="0" anchor="t">
+            <a:normAutofit/>
+          </a:bodyPr>
+          <a:p>
+            <a:pPr marL="432000" indent="-324000">
+              <a:spcBef>
+                <a:spcPts val="1417"/>
+              </a:spcBef>
+              <a:buClr>
+                <a:srgbClr val="000000"/>
+              </a:buClr>
+              <a:buSzPct val="45000"/>
+              <a:buFont typeface="Wingdings" charset="2"/>
+              <a:buChar char=""/>
+            </a:pPr>
+            <a:r>
+              <a:rPr b="0" lang="fr-FR" sz="3200" spc="-1" strike="noStrike">
+                <a:solidFill>
+                  <a:srgbClr val="000000"/>
+                </a:solidFill>
+                <a:latin typeface="Arial"/>
+              </a:rPr>
+              <a:t>Cliquez pour éditer le format du plan de texte</a:t>
+            </a:r>
+            <a:endParaRPr b="0" lang="fr-FR" sz="3200" spc="-1" strike="noStrike">
+              <a:solidFill>
+                <a:srgbClr val="000000"/>
+              </a:solidFill>
+              <a:latin typeface="Arial"/>
+            </a:endParaRPr>
+          </a:p>
+          <a:p>
+            <a:pPr lvl="1" marL="864000" indent="-324000">
+              <a:spcBef>
+                <a:spcPts val="1134"/>
+              </a:spcBef>
+              <a:buClr>
+                <a:srgbClr val="000000"/>
+              </a:buClr>
+              <a:buSzPct val="75000"/>
+              <a:buFont typeface="Symbol" charset="2"/>
+              <a:buChar char=""/>
+            </a:pPr>
+            <a:r>
+              <a:rPr b="0" lang="fr-FR" sz="2800" spc="-1" strike="noStrike">
+                <a:solidFill>
+                  <a:srgbClr val="000000"/>
+                </a:solidFill>
+                <a:latin typeface="Arial"/>
+              </a:rPr>
+              <a:t>Second niveau de plan</a:t>
+            </a:r>
+            <a:endParaRPr b="0" lang="fr-FR" sz="2800" spc="-1" strike="noStrike">
+              <a:solidFill>
+                <a:srgbClr val="000000"/>
+              </a:solidFill>
+              <a:latin typeface="Arial"/>
+            </a:endParaRPr>
+          </a:p>
+          <a:p>
+            <a:pPr lvl="2" marL="1296000" indent="-288000">
+              <a:spcBef>
+                <a:spcPts val="850"/>
+              </a:spcBef>
+              <a:buClr>
+                <a:srgbClr val="000000"/>
+              </a:buClr>
+              <a:buSzPct val="45000"/>
+              <a:buFont typeface="Wingdings" charset="2"/>
+              <a:buChar char=""/>
+            </a:pPr>
+            <a:r>
+              <a:rPr b="0" lang="fr-FR" sz="2400" spc="-1" strike="noStrike">
+                <a:solidFill>
+                  <a:srgbClr val="000000"/>
+                </a:solidFill>
+                <a:latin typeface="Arial"/>
+              </a:rPr>
+              <a:t>Troisième niveau de plan</a:t>
+            </a:r>
+            <a:endParaRPr b="0" lang="fr-FR" sz="2400" spc="-1" strike="noStrike">
+              <a:solidFill>
+                <a:srgbClr val="000000"/>
+              </a:solidFill>
+              <a:latin typeface="Arial"/>
+            </a:endParaRPr>
+          </a:p>
+          <a:p>
+            <a:pPr lvl="3" marL="1728000" indent="-216000">
+              <a:spcBef>
+                <a:spcPts val="567"/>
+              </a:spcBef>
+              <a:buClr>
+                <a:srgbClr val="000000"/>
+              </a:buClr>
+              <a:buSzPct val="75000"/>
+              <a:buFont typeface="Symbol" charset="2"/>
+              <a:buChar char=""/>
+            </a:pPr>
+            <a:r>
+              <a:rPr b="0" lang="fr-FR" sz="2000" spc="-1" strike="noStrike">
+                <a:solidFill>
+                  <a:srgbClr val="000000"/>
+                </a:solidFill>
+                <a:latin typeface="Arial"/>
+              </a:rPr>
+              <a:t>Quatrième niveau de plan</a:t>
+            </a:r>
+            <a:endParaRPr b="0" lang="fr-FR" sz="2000" spc="-1" strike="noStrike">
+              <a:solidFill>
+                <a:srgbClr val="000000"/>
+              </a:solidFill>
+              <a:latin typeface="Arial"/>
+            </a:endParaRPr>
+          </a:p>
+          <a:p>
+            <a:pPr lvl="4" marL="2160000" indent="-216000">
+              <a:spcBef>
+                <a:spcPts val="283"/>
+              </a:spcBef>
+              <a:buClr>
+                <a:srgbClr val="000000"/>
+              </a:buClr>
+              <a:buSzPct val="45000"/>
+              <a:buFont typeface="Wingdings" charset="2"/>
+              <a:buChar char=""/>
+            </a:pPr>
+            <a:r>
+              <a:rPr b="0" lang="fr-FR" sz="2000" spc="-1" strike="noStrike">
+                <a:solidFill>
+                  <a:srgbClr val="000000"/>
+                </a:solidFill>
+                <a:latin typeface="Arial"/>
+              </a:rPr>
+              <a:t>Cinquième niveau de plan</a:t>
+            </a:r>
+            <a:endParaRPr b="0" lang="fr-FR" sz="2000" spc="-1" strike="noStrike">
+              <a:solidFill>
+                <a:srgbClr val="000000"/>
+              </a:solidFill>
+              <a:latin typeface="Arial"/>
+            </a:endParaRPr>
+          </a:p>
+          <a:p>
+            <a:pPr lvl="5" marL="2592000" indent="-216000">
+              <a:spcBef>
+                <a:spcPts val="283"/>
+              </a:spcBef>
+              <a:buClr>
+                <a:srgbClr val="000000"/>
+              </a:buClr>
+              <a:buSzPct val="45000"/>
+              <a:buFont typeface="Wingdings" charset="2"/>
+              <a:buChar char=""/>
+            </a:pPr>
+            <a:r>
+              <a:rPr b="0" lang="fr-FR" sz="2000" spc="-1" strike="noStrike">
+                <a:solidFill>
+                  <a:srgbClr val="000000"/>
+                </a:solidFill>
+                <a:latin typeface="Arial"/>
+              </a:rPr>
+              <a:t>Sixième niveau de plan</a:t>
+            </a:r>
+            <a:endParaRPr b="0" lang="fr-FR" sz="2000" spc="-1" strike="noStrike">
+              <a:solidFill>
+                <a:srgbClr val="000000"/>
+              </a:solidFill>
+              <a:latin typeface="Arial"/>
+            </a:endParaRPr>
+          </a:p>
+          <a:p>
+            <a:pPr lvl="6" marL="3024000" indent="-216000">
+              <a:spcBef>
+                <a:spcPts val="283"/>
+              </a:spcBef>
+              <a:buClr>
+                <a:srgbClr val="000000"/>
+              </a:buClr>
+              <a:buSzPct val="45000"/>
+              <a:buFont typeface="Wingdings" charset="2"/>
+              <a:buChar char=""/>
+            </a:pPr>
+            <a:r>
+              <a:rPr b="0" lang="fr-FR" sz="2000" spc="-1" strike="noStrike">
+                <a:solidFill>
+                  <a:srgbClr val="000000"/>
+                </a:solidFill>
+                <a:latin typeface="Arial"/>
+              </a:rPr>
+              <a:t>Septième niveau de plan</a:t>
+            </a:r>
+            <a:endParaRPr b="0" lang="fr-FR" sz="2000" spc="-1" strike="noStrike">
+              <a:solidFill>
+                <a:srgbClr val="000000"/>
+              </a:solidFill>
+              <a:latin typeface="Arial"/>
+            </a:endParaRPr>
+          </a:p>
+        </p:txBody>
+      </p:sp>
+    </p:spTree>
+  </p:cSld>
+  <p:clrMap bg1="lt1" bg2="lt2" tx1="dk1" tx2="dk2" accent1="accent1" accent2="accent2" accent3="accent3" accent4="accent4" accent5="accent5" accent6="accent6" hlink="hlink" folHlink="folHlink"/>
+  <p:sldLayoutIdLst>
+    <p:sldLayoutId id="2147483651" r:id="rId2"/>
+    <p:sldLayoutId id="2147483652" r:id="rId3"/>
   </p:sldLayoutIdLst>
 </p:sldMaster>
 </file>
@@ -848,7 +1545,7 @@
       </p:grpSpPr>
       <p:sp>
         <p:nvSpPr>
-          <p:cNvPr id="9" name="PlaceHolder 1"/>
+          <p:cNvPr id="16" name="PlaceHolder 1"/>
           <p:cNvSpPr>
             <a:spLocks noGrp="1"/>
           </p:cNvSpPr>
@@ -859,7 +1556,7 @@
         <p:spPr>
           <a:xfrm>
             <a:off x="504000" y="226080"/>
-            <a:ext cx="9071640" cy="946440"/>
+            <a:ext cx="9071280" cy="946080"/>
           </a:xfrm>
           <a:prstGeom prst="rect">
             <a:avLst/>
@@ -875,7 +1572,13 @@
           </a:bodyPr>
           <a:p>
             <a:pPr indent="0" algn="ctr">
+              <a:lnSpc>
+                <a:spcPct val="100000"/>
+              </a:lnSpc>
               <a:buNone/>
+              <a:tabLst>
+                <a:tab algn="l" pos="0"/>
+              </a:tabLst>
             </a:pPr>
             <a:r>
               <a:rPr b="0" lang="fr-FR" sz="4400" spc="-1" strike="noStrike">
@@ -897,7 +1600,7 @@
       </p:sp>
       <p:sp>
         <p:nvSpPr>
-          <p:cNvPr id="10" name="PlaceHolder 2"/>
+          <p:cNvPr id="17" name="PlaceHolder 2"/>
           <p:cNvSpPr>
             <a:spLocks noGrp="1"/>
           </p:cNvSpPr>
@@ -908,7 +1611,7 @@
         <p:spPr>
           <a:xfrm>
             <a:off x="504000" y="1326600"/>
-            <a:ext cx="9071640" cy="3288240"/>
+            <a:ext cx="9071280" cy="3287880"/>
           </a:xfrm>
           <a:prstGeom prst="rect">
             <a:avLst/>
@@ -926,6 +1629,213 @@
             <a:pPr indent="0" algn="ctr">
               <a:buNone/>
             </a:pPr>
+            <a:endParaRPr b="0" lang="fr-FR" sz="1800" spc="-1" strike="noStrike">
+              <a:solidFill>
+                <a:srgbClr val="000000"/>
+              </a:solidFill>
+              <a:latin typeface="Arial"/>
+            </a:endParaRPr>
+          </a:p>
+        </p:txBody>
+      </p:sp>
+    </p:spTree>
+  </p:cSld>
+  <mc:AlternateContent>
+    <mc:Choice Requires="p14">
+      <p:transition spd="slow" p14:dur="2000"/>
+    </mc:Choice>
+    <mc:Fallback>
+      <p:transition spd="slow"/>
+    </mc:Fallback>
+  </mc:AlternateContent>
+</p:sld>
+</file>
+
+<file path=ppt/slides/slide10.xml><?xml version="1.0" encoding="utf-8"?>
+<p:sld xmlns:a="http://schemas.openxmlformats.org/drawingml/2006/main" xmlns:p="http://schemas.openxmlformats.org/presentationml/2006/main" xmlns:r="http://schemas.openxmlformats.org/officeDocument/2006/relationships" xmlns:p14="http://schemas.microsoft.com/office/powerpoint/2010/main" xmlns:p15="http://schemas.microsoft.com/office/powerpoint/2012/main" xmlns:mc="http://schemas.openxmlformats.org/markup-compatibility/2006">
+  <p:cSld>
+    <p:spTree>
+      <p:nvGrpSpPr>
+        <p:cNvPr id="1" name=""/>
+        <p:cNvGrpSpPr/>
+        <p:nvPr/>
+      </p:nvGrpSpPr>
+      <p:grpSpPr>
+        <a:xfrm>
+          <a:off x="0" y="0"/>
+          <a:ext cx="0" cy="0"/>
+          <a:chOff x="0" y="0"/>
+          <a:chExt cx="0" cy="0"/>
+        </a:xfrm>
+      </p:grpSpPr>
+      <p:sp>
+        <p:nvSpPr>
+          <p:cNvPr id="34" name="PlaceHolder 1"/>
+          <p:cNvSpPr>
+            <a:spLocks noGrp="1"/>
+          </p:cNvSpPr>
+          <p:nvPr>
+            <p:ph type="title"/>
+          </p:nvPr>
+        </p:nvSpPr>
+        <p:spPr>
+          <a:xfrm>
+            <a:off x="504000" y="74160"/>
+            <a:ext cx="9071280" cy="1249920"/>
+          </a:xfrm>
+          <a:prstGeom prst="rect">
+            <a:avLst/>
+          </a:prstGeom>
+          <a:noFill/>
+          <a:ln w="0">
+            <a:noFill/>
+          </a:ln>
+        </p:spPr>
+        <p:txBody>
+          <a:bodyPr lIns="0" rIns="0" tIns="0" bIns="0" anchor="ctr">
+            <a:noAutofit/>
+          </a:bodyPr>
+          <a:p>
+            <a:pPr indent="0" algn="ctr">
+              <a:lnSpc>
+                <a:spcPct val="100000"/>
+              </a:lnSpc>
+              <a:buNone/>
+              <a:tabLst>
+                <a:tab algn="l" pos="0"/>
+              </a:tabLst>
+            </a:pPr>
+            <a:r>
+              <a:rPr b="0" lang="fr-FR" sz="4400" spc="-1" strike="noStrike">
+                <a:solidFill>
+                  <a:srgbClr val="000000"/>
+                </a:solidFill>
+                <a:latin typeface="Arial"/>
+              </a:rPr>
+              <a:t>Principes Clés de l'Architecture Hexagonale</a:t>
+            </a:r>
+            <a:endParaRPr b="0" lang="fr-FR" sz="4400" spc="-1" strike="noStrike">
+              <a:solidFill>
+                <a:srgbClr val="000000"/>
+              </a:solidFill>
+              <a:latin typeface="Arial"/>
+            </a:endParaRPr>
+          </a:p>
+        </p:txBody>
+      </p:sp>
+      <p:sp>
+        <p:nvSpPr>
+          <p:cNvPr id="35" name="PlaceHolder 2"/>
+          <p:cNvSpPr>
+            <a:spLocks noGrp="1"/>
+          </p:cNvSpPr>
+          <p:nvPr>
+            <p:ph/>
+          </p:nvPr>
+        </p:nvSpPr>
+        <p:spPr>
+          <a:xfrm>
+            <a:off x="504000" y="1326600"/>
+            <a:ext cx="9071280" cy="3287880"/>
+          </a:xfrm>
+          <a:prstGeom prst="rect">
+            <a:avLst/>
+          </a:prstGeom>
+          <a:noFill/>
+          <a:ln w="0">
+            <a:noFill/>
+          </a:ln>
+        </p:spPr>
+        <p:txBody>
+          <a:bodyPr lIns="0" rIns="0" tIns="0" bIns="0" anchor="t">
+            <a:normAutofit fontScale="83888"/>
+          </a:bodyPr>
+          <a:p>
+            <a:pPr marL="432000" indent="-324000">
+              <a:lnSpc>
+                <a:spcPct val="100000"/>
+              </a:lnSpc>
+              <a:spcBef>
+                <a:spcPts val="1417"/>
+              </a:spcBef>
+              <a:buClr>
+                <a:srgbClr val="000000"/>
+              </a:buClr>
+              <a:buSzPct val="45000"/>
+              <a:buFont typeface="Wingdings" charset="2"/>
+              <a:buChar char=""/>
+            </a:pPr>
+            <a:r>
+              <a:rPr b="0" lang="fr-FR" sz="3200" spc="-1" strike="noStrike">
+                <a:solidFill>
+                  <a:srgbClr val="000000"/>
+                </a:solidFill>
+                <a:latin typeface="Arial"/>
+              </a:rPr>
+              <a:t>Indépendance : Le domaine ne dépend pas de la technologie (base de données, API, etc.).</a:t>
+            </a:r>
+            <a:endParaRPr b="0" lang="fr-FR" sz="3200" spc="-1" strike="noStrike">
+              <a:solidFill>
+                <a:srgbClr val="000000"/>
+              </a:solidFill>
+              <a:latin typeface="Arial"/>
+            </a:endParaRPr>
+          </a:p>
+          <a:p>
+            <a:pPr marL="432000" indent="-324000">
+              <a:lnSpc>
+                <a:spcPct val="100000"/>
+              </a:lnSpc>
+              <a:spcBef>
+                <a:spcPts val="1417"/>
+              </a:spcBef>
+              <a:buClr>
+                <a:srgbClr val="000000"/>
+              </a:buClr>
+              <a:buSzPct val="45000"/>
+              <a:buFont typeface="Wingdings" charset="2"/>
+              <a:buChar char=""/>
+            </a:pPr>
+            <a:r>
+              <a:rPr b="0" lang="fr-FR" sz="3200" spc="-1" strike="noStrike">
+                <a:solidFill>
+                  <a:srgbClr val="000000"/>
+                </a:solidFill>
+                <a:latin typeface="Arial"/>
+              </a:rPr>
+              <a:t>Testabilité : Facilité de tester le domaine de manière isolée grâce aux ports et adaptateurs.</a:t>
+            </a:r>
+            <a:endParaRPr b="0" lang="fr-FR" sz="3200" spc="-1" strike="noStrike">
+              <a:solidFill>
+                <a:srgbClr val="000000"/>
+              </a:solidFill>
+              <a:latin typeface="Arial"/>
+            </a:endParaRPr>
+          </a:p>
+          <a:p>
+            <a:pPr marL="432000" indent="-324000">
+              <a:lnSpc>
+                <a:spcPct val="100000"/>
+              </a:lnSpc>
+              <a:spcBef>
+                <a:spcPts val="1417"/>
+              </a:spcBef>
+              <a:buClr>
+                <a:srgbClr val="000000"/>
+              </a:buClr>
+              <a:buSzPct val="45000"/>
+              <a:buFont typeface="Wingdings" charset="2"/>
+              <a:buChar char=""/>
+            </a:pPr>
+            <a:r>
+              <a:rPr b="0" lang="fr-FR" sz="3200" spc="-1" strike="noStrike">
+                <a:solidFill>
+                  <a:srgbClr val="000000"/>
+                </a:solidFill>
+                <a:latin typeface="Arial"/>
+              </a:rPr>
+              <a:t>Réutilisabilité : Les ports permettent de remplacer ou de changer les implémentations techniques sans impact sur le domaine.</a:t>
+            </a:r>
             <a:endParaRPr b="0" lang="fr-FR" sz="3200" spc="-1" strike="noStrike">
               <a:solidFill>
                 <a:srgbClr val="000000"/>
@@ -967,7 +1877,7 @@
       </p:grpSpPr>
       <p:sp>
         <p:nvSpPr>
-          <p:cNvPr id="11" name="PlaceHolder 1"/>
+          <p:cNvPr id="18" name="PlaceHolder 1"/>
           <p:cNvSpPr>
             <a:spLocks noGrp="1"/>
           </p:cNvSpPr>
@@ -978,7 +1888,7 @@
         <p:spPr>
           <a:xfrm>
             <a:off x="504000" y="74160"/>
-            <a:ext cx="9071640" cy="1250280"/>
+            <a:ext cx="9071280" cy="1249920"/>
           </a:xfrm>
           <a:prstGeom prst="rect">
             <a:avLst/>
@@ -994,7 +1904,13 @@
           </a:bodyPr>
           <a:p>
             <a:pPr indent="0" algn="ctr">
+              <a:lnSpc>
+                <a:spcPct val="100000"/>
+              </a:lnSpc>
               <a:buNone/>
+              <a:tabLst>
+                <a:tab algn="l" pos="0"/>
+              </a:tabLst>
             </a:pPr>
             <a:r>
               <a:rPr b="0" lang="fr-FR" sz="4400" spc="-1" strike="noStrike">
@@ -1003,7 +1919,7 @@
                 </a:solidFill>
                 <a:latin typeface="Arial"/>
               </a:rPr>
-              <a:t>Quand utiliser l'architecture hexagonale ?</a:t>
+              <a:t>https://github.com/dcdh/kata-damien-huart-public</a:t>
             </a:r>
             <a:endParaRPr b="0" lang="fr-FR" sz="4400" spc="-1" strike="noStrike">
               <a:solidFill>
@@ -1016,7 +1932,7 @@
       </p:sp>
       <p:sp>
         <p:nvSpPr>
-          <p:cNvPr id="12" name="PlaceHolder 2"/>
+          <p:cNvPr id="19" name="PlaceHolder 2"/>
           <p:cNvSpPr>
             <a:spLocks noGrp="1"/>
           </p:cNvSpPr>
@@ -1027,7 +1943,7 @@
         <p:spPr>
           <a:xfrm>
             <a:off x="504000" y="1326600"/>
-            <a:ext cx="9071640" cy="3288240"/>
+            <a:ext cx="9071280" cy="3287880"/>
           </a:xfrm>
           <a:prstGeom prst="rect">
             <a:avLst/>
@@ -1039,10 +1955,13 @@
         </p:spPr>
         <p:txBody>
           <a:bodyPr lIns="0" rIns="0" tIns="0" bIns="0" anchor="t">
-            <a:normAutofit fontScale="53119" lnSpcReduction="10000"/>
+            <a:normAutofit fontScale="43333"/>
           </a:bodyPr>
           <a:p>
             <a:pPr marL="432000" indent="-324000">
+              <a:lnSpc>
+                <a:spcPct val="100000"/>
+              </a:lnSpc>
               <a:spcBef>
                 <a:spcPts val="1417"/>
               </a:spcBef>
@@ -1060,7 +1979,7 @@
                 </a:solidFill>
                 <a:latin typeface="Arial"/>
               </a:rPr>
-              <a:t>Applications complexes et évolutives:</a:t>
+              <a:t>Dans le cadre de ce projet, nous souhaitons avoir une api :</a:t>
             </a:r>
             <a:endParaRPr b="0" lang="fr-FR" sz="3200" spc="-1" strike="noStrike">
               <a:solidFill>
@@ -1070,72 +1989,10 @@
             </a:endParaRPr>
           </a:p>
           <a:p>
-            <a:pPr lvl="1" marL="864000" indent="-324000">
-              <a:spcBef>
-                <a:spcPts val="1134"/>
-              </a:spcBef>
-              <a:buClr>
-                <a:srgbClr val="000000"/>
-              </a:buClr>
-              <a:buSzPct val="75000"/>
-              <a:buFont typeface="Symbol" charset="2"/>
-              <a:buChar char=""/>
-            </a:pPr>
-            <a:r>
-              <a:rPr b="0" lang="fr-FR" sz="2800" spc="-1" strike="noStrike">
-                <a:solidFill>
-                  <a:srgbClr val="000000"/>
-                </a:solidFill>
-                <a:latin typeface="Arial"/>
-              </a:rPr>
-              <a:t>logique métier riche et en évolution</a:t>
-            </a:r>
-            <a:endParaRPr b="0" lang="fr-FR" sz="2800" spc="-1" strike="noStrike">
-              <a:solidFill>
-                <a:srgbClr val="000000"/>
-              </a:solidFill>
-              <a:latin typeface="Arial"/>
-            </a:endParaRPr>
-          </a:p>
-          <a:p>
-            <a:pPr lvl="1" marL="864000" indent="-324000">
-              <a:spcBef>
-                <a:spcPts val="1134"/>
-              </a:spcBef>
-              <a:buClr>
-                <a:srgbClr val="000000"/>
-              </a:buClr>
-              <a:buSzPct val="75000"/>
-              <a:buFont typeface="Symbol" charset="2"/>
-              <a:buChar char=""/>
-            </a:pPr>
-            <a:r>
-              <a:rPr b="0" lang="fr-FR" sz="2800" spc="-1" strike="noStrike">
-                <a:solidFill>
-                  <a:srgbClr val="000000"/>
-                </a:solidFill>
-                <a:latin typeface="Arial"/>
-              </a:rPr>
-              <a:t>besoin de s’adapter facilement aux changements de </a:t>
-            </a:r>
-            <a:r>
-              <a:rPr b="0" lang="fr-FR" sz="2800" spc="-1" strike="noStrike">
-                <a:solidFill>
-                  <a:srgbClr val="000000"/>
-                </a:solidFill>
-                <a:latin typeface="Arial"/>
-              </a:rPr>
-              <a:t>technologies</a:t>
-            </a:r>
-            <a:endParaRPr b="0" lang="fr-FR" sz="2800" spc="-1" strike="noStrike">
-              <a:solidFill>
-                <a:srgbClr val="000000"/>
-              </a:solidFill>
-              <a:latin typeface="Arial"/>
-            </a:endParaRPr>
-          </a:p>
-          <a:p>
             <a:pPr marL="432000" indent="-324000">
+              <a:lnSpc>
+                <a:spcPct val="100000"/>
+              </a:lnSpc>
               <a:spcBef>
                 <a:spcPts val="1417"/>
               </a:spcBef>
@@ -1153,16 +2010,7 @@
                 </a:solidFill>
                 <a:latin typeface="Arial"/>
               </a:rPr>
-              <a:t>Multitude d’interfaces utilisateur: si l'application </a:t>
-            </a:r>
-            <a:r>
-              <a:rPr b="0" lang="fr-FR" sz="3200" spc="-1" strike="noStrike">
-                <a:solidFill>
-                  <a:srgbClr val="000000"/>
-                </a:solidFill>
-                <a:latin typeface="Arial"/>
-              </a:rPr>
-              <a:t>doit être accessible via web, mobile, API, etc.</a:t>
+              <a:t>1°) Je veux que mon sensor récupère la température provenant du composant TemperatureCaptor (renvoi la température en °C)</a:t>
             </a:r>
             <a:endParaRPr b="0" lang="fr-FR" sz="3200" spc="-1" strike="noStrike">
               <a:solidFill>
@@ -1173,6 +2021,9 @@
           </a:p>
           <a:p>
             <a:pPr marL="432000" indent="-324000">
+              <a:lnSpc>
+                <a:spcPct val="100000"/>
+              </a:lnSpc>
               <a:spcBef>
                 <a:spcPts val="1417"/>
               </a:spcBef>
@@ -1190,25 +2041,7 @@
                 </a:solidFill>
                 <a:latin typeface="Arial"/>
               </a:rPr>
-              <a:t>Testabilité accrue: permet de tester le domaine </a:t>
-            </a:r>
-            <a:r>
-              <a:rPr b="0" lang="fr-FR" sz="3200" spc="-1" strike="noStrike">
-                <a:solidFill>
-                  <a:srgbClr val="000000"/>
-                </a:solidFill>
-                <a:latin typeface="Arial"/>
-              </a:rPr>
-              <a:t>métier de manière isolée, sans dépendances </a:t>
-            </a:r>
-            <a:r>
-              <a:rPr b="0" lang="fr-FR" sz="3200" spc="-1" strike="noStrike">
-                <a:solidFill>
-                  <a:srgbClr val="000000"/>
-                </a:solidFill>
-                <a:latin typeface="Arial"/>
-              </a:rPr>
-              <a:t>techniques.</a:t>
+              <a:t>2°) Je veux que l'état de mon Sensor soit à "HOT" lorsque la température captée est suppérieure ou égale a 40 °C.</a:t>
             </a:r>
             <a:endParaRPr b="0" lang="fr-FR" sz="3200" spc="-1" strike="noStrike">
               <a:solidFill>
@@ -1219,6 +2052,9 @@
           </a:p>
           <a:p>
             <a:pPr marL="432000" indent="-324000">
+              <a:lnSpc>
+                <a:spcPct val="100000"/>
+              </a:lnSpc>
               <a:spcBef>
                 <a:spcPts val="1417"/>
               </a:spcBef>
@@ -1236,25 +2072,7 @@
                 </a:solidFill>
                 <a:latin typeface="Arial"/>
               </a:rPr>
-              <a:t>Contexte de Domain-Driven Design (DDD): </a:t>
-            </a:r>
-            <a:r>
-              <a:rPr b="0" lang="fr-FR" sz="3200" spc="-1" strike="noStrike">
-                <a:solidFill>
-                  <a:srgbClr val="000000"/>
-                </a:solidFill>
-                <a:latin typeface="Arial"/>
-              </a:rPr>
-              <a:t>idéal pour préserver l’indépendance et la </a:t>
-            </a:r>
-            <a:r>
-              <a:rPr b="0" lang="fr-FR" sz="3200" spc="-1" strike="noStrike">
-                <a:solidFill>
-                  <a:srgbClr val="000000"/>
-                </a:solidFill>
-                <a:latin typeface="Arial"/>
-              </a:rPr>
-              <a:t>pureté d’un modèle de domaine riche.</a:t>
+              <a:t>3°) Je veux l'état de mon Sensor soit à "COLD" lorsque la température captée est inferieur a 22 °C.</a:t>
             </a:r>
             <a:endParaRPr b="0" lang="fr-FR" sz="3200" spc="-1" strike="noStrike">
               <a:solidFill>
@@ -1265,6 +2083,9 @@
           </a:p>
           <a:p>
             <a:pPr marL="432000" indent="-324000">
+              <a:lnSpc>
+                <a:spcPct val="100000"/>
+              </a:lnSpc>
               <a:spcBef>
                 <a:spcPts val="1417"/>
               </a:spcBef>
@@ -1282,8 +2103,30 @@
                 </a:solidFill>
                 <a:latin typeface="Arial"/>
               </a:rPr>
-              <a:t>Projets exposés à des changements </a:t>
-            </a:r>
+              <a:t>4°) Je veux l'état de mon Sensor soit à "WARM" lorsque la température captée est entre 22 et inferieur à 40 °C.</a:t>
+            </a:r>
+            <a:endParaRPr b="0" lang="fr-FR" sz="3200" spc="-1" strike="noStrike">
+              <a:solidFill>
+                <a:srgbClr val="000000"/>
+              </a:solidFill>
+              <a:latin typeface="Arial"/>
+            </a:endParaRPr>
+          </a:p>
+          <a:p>
+            <a:pPr marL="432000" indent="-324000">
+              <a:lnSpc>
+                <a:spcPct val="100000"/>
+              </a:lnSpc>
+              <a:spcBef>
+                <a:spcPts val="1417"/>
+              </a:spcBef>
+              <a:buClr>
+                <a:srgbClr val="000000"/>
+              </a:buClr>
+              <a:buSzPct val="45000"/>
+              <a:buFont typeface="Wingdings" charset="2"/>
+              <a:buChar char=""/>
+            </a:pPr>
             <a:r>
               <a:rPr b="0" lang="fr-FR" sz="3200" spc="-1" strike="noStrike">
                 <a:solidFill>
@@ -1291,8 +2134,30 @@
                 </a:solidFill>
                 <a:latin typeface="Arial"/>
               </a:rPr>
-              <a:t>d'infrastructure: facilite la transition vers de </a:t>
-            </a:r>
+              <a:t>5°) Je veux récuperer l'historique des 15 dernieres demandes des températures.</a:t>
+            </a:r>
+            <a:endParaRPr b="0" lang="fr-FR" sz="3200" spc="-1" strike="noStrike">
+              <a:solidFill>
+                <a:srgbClr val="000000"/>
+              </a:solidFill>
+              <a:latin typeface="Arial"/>
+            </a:endParaRPr>
+          </a:p>
+          <a:p>
+            <a:pPr marL="432000" indent="-324000">
+              <a:lnSpc>
+                <a:spcPct val="100000"/>
+              </a:lnSpc>
+              <a:spcBef>
+                <a:spcPts val="1417"/>
+              </a:spcBef>
+              <a:buClr>
+                <a:srgbClr val="000000"/>
+              </a:buClr>
+              <a:buSzPct val="45000"/>
+              <a:buFont typeface="Wingdings" charset="2"/>
+              <a:buChar char=""/>
+            </a:pPr>
             <a:r>
               <a:rPr b="0" lang="fr-FR" sz="3200" spc="-1" strike="noStrike">
                 <a:solidFill>
@@ -1300,16 +2165,7 @@
                 </a:solidFill>
                 <a:latin typeface="Arial"/>
               </a:rPr>
-              <a:t>nouvelles technologies (ex. migration de base </a:t>
-            </a:r>
-            <a:r>
-              <a:rPr b="0" lang="fr-FR" sz="3200" spc="-1" strike="noStrike">
-                <a:solidFill>
-                  <a:srgbClr val="000000"/>
-                </a:solidFill>
-                <a:latin typeface="Arial"/>
-              </a:rPr>
-              <a:t>de données).</a:t>
+              <a:t>6°) Je veux pouvoir redefinir les limites pour "HOT", "COLD", "WARM"</a:t>
             </a:r>
             <a:endParaRPr b="0" lang="fr-FR" sz="3200" spc="-1" strike="noStrike">
               <a:solidFill>
@@ -1352,7 +2208,7 @@
       </p:grpSpPr>
       <p:sp>
         <p:nvSpPr>
-          <p:cNvPr id="13" name="PlaceHolder 1"/>
+          <p:cNvPr id="20" name="PlaceHolder 1"/>
           <p:cNvSpPr>
             <a:spLocks noGrp="1"/>
           </p:cNvSpPr>
@@ -1362,8 +2218,8 @@
         </p:nvSpPr>
         <p:spPr>
           <a:xfrm>
-            <a:off x="504000" y="74160"/>
-            <a:ext cx="9071640" cy="1250280"/>
+            <a:off x="504000" y="226080"/>
+            <a:ext cx="9071280" cy="946080"/>
           </a:xfrm>
           <a:prstGeom prst="rect">
             <a:avLst/>
@@ -1388,7 +2244,7 @@
                 </a:solidFill>
                 <a:latin typeface="Arial"/>
               </a:rPr>
-              <a:t>https://github.com/dcdh/kata-damien-huart-public</a:t>
+              <a:t>Origine</a:t>
             </a:r>
             <a:endParaRPr b="0" lang="fr-FR" sz="4400" spc="-1" strike="noStrike">
               <a:solidFill>
@@ -1401,7 +2257,7 @@
       </p:sp>
       <p:sp>
         <p:nvSpPr>
-          <p:cNvPr id="14" name="PlaceHolder 2"/>
+          <p:cNvPr id="21" name="PlaceHolder 2"/>
           <p:cNvSpPr>
             <a:spLocks noGrp="1"/>
           </p:cNvSpPr>
@@ -1412,7 +2268,7 @@
         <p:spPr>
           <a:xfrm>
             <a:off x="504000" y="1326600"/>
-            <a:ext cx="9071640" cy="3288240"/>
+            <a:ext cx="9072000" cy="3288600"/>
           </a:xfrm>
           <a:prstGeom prst="rect">
             <a:avLst/>
@@ -1424,12 +2280,12 @@
         </p:spPr>
         <p:txBody>
           <a:bodyPr lIns="0" rIns="0" tIns="0" bIns="0" anchor="t">
-            <a:normAutofit fontScale="49995" lnSpcReduction="10000"/>
+            <a:normAutofit/>
           </a:bodyPr>
           <a:p>
             <a:pPr marL="432000" indent="-324000">
               <a:spcBef>
-                <a:spcPts val="1417"/>
+                <a:spcPts val="1134"/>
               </a:spcBef>
               <a:buClr>
                 <a:srgbClr val="000000"/>
@@ -1444,8 +2300,9 @@
                   <a:srgbClr val="000000"/>
                 </a:solidFill>
                 <a:latin typeface="Arial"/>
-              </a:rPr>
-              <a:t>Dans le cadre de ce projet, nous souhaitons </a:t>
+                <a:ea typeface="Noto Sans CJK SC"/>
+              </a:rPr>
+              <a:t>Alistair Cockburn </a:t>
             </a:r>
             <a:r>
               <a:rPr b="0" lang="fr-FR" sz="3200" spc="-1" strike="noStrike">
@@ -1454,7 +2311,7 @@
                 </a:solidFill>
                 <a:latin typeface="Arial"/>
               </a:rPr>
-              <a:t>avoir une api :</a:t>
+              <a:t>(~2000)</a:t>
             </a:r>
             <a:endParaRPr b="0" lang="fr-FR" sz="3200" spc="-1" strike="noStrike">
               <a:solidFill>
@@ -1464,266 +2321,83 @@
             </a:endParaRPr>
           </a:p>
           <a:p>
-            <a:pPr marL="432000" indent="-324000">
-              <a:spcBef>
-                <a:spcPts val="1417"/>
-              </a:spcBef>
-              <a:buClr>
-                <a:srgbClr val="000000"/>
-              </a:buClr>
-              <a:buSzPct val="45000"/>
-              <a:buFont typeface="Wingdings" charset="2"/>
-              <a:buChar char=""/>
-            </a:pPr>
-            <a:r>
-              <a:rPr b="0" lang="fr-FR" sz="3200" spc="-1" strike="noStrike">
-                <a:solidFill>
-                  <a:srgbClr val="000000"/>
-                </a:solidFill>
-                <a:latin typeface="Arial"/>
-              </a:rPr>
-              <a:t>1°) Je veux que mon sensor récupère la </a:t>
-            </a:r>
-            <a:r>
-              <a:rPr b="0" lang="fr-FR" sz="3200" spc="-1" strike="noStrike">
-                <a:solidFill>
-                  <a:srgbClr val="000000"/>
-                </a:solidFill>
-                <a:latin typeface="Arial"/>
-              </a:rPr>
-              <a:t>température provenant du composant </a:t>
-            </a:r>
-            <a:r>
-              <a:rPr b="0" lang="fr-FR" sz="3200" spc="-1" strike="noStrike">
-                <a:solidFill>
-                  <a:srgbClr val="000000"/>
-                </a:solidFill>
-                <a:latin typeface="Arial"/>
-              </a:rPr>
-              <a:t>TemperatureCaptor (renvoi la température en </a:t>
-            </a:r>
-            <a:r>
-              <a:rPr b="0" lang="fr-FR" sz="3200" spc="-1" strike="noStrike">
-                <a:solidFill>
-                  <a:srgbClr val="000000"/>
-                </a:solidFill>
-                <a:latin typeface="Arial"/>
-              </a:rPr>
-              <a:t>°C)</a:t>
-            </a:r>
-            <a:endParaRPr b="0" lang="fr-FR" sz="3200" spc="-1" strike="noStrike">
-              <a:solidFill>
-                <a:srgbClr val="000000"/>
-              </a:solidFill>
-              <a:latin typeface="Arial"/>
-            </a:endParaRPr>
-          </a:p>
-          <a:p>
-            <a:pPr marL="432000" indent="-324000">
-              <a:spcBef>
-                <a:spcPts val="1417"/>
-              </a:spcBef>
-              <a:buClr>
-                <a:srgbClr val="000000"/>
-              </a:buClr>
-              <a:buSzPct val="45000"/>
-              <a:buFont typeface="Wingdings" charset="2"/>
-              <a:buChar char=""/>
-            </a:pPr>
-            <a:r>
-              <a:rPr b="0" lang="fr-FR" sz="3200" spc="-1" strike="noStrike">
-                <a:solidFill>
-                  <a:srgbClr val="000000"/>
-                </a:solidFill>
-                <a:latin typeface="Arial"/>
-              </a:rPr>
-              <a:t>2°) Je veux que l'état de mon Sensor soit à </a:t>
-            </a:r>
-            <a:r>
-              <a:rPr b="0" lang="fr-FR" sz="3200" spc="-1" strike="noStrike">
-                <a:solidFill>
-                  <a:srgbClr val="000000"/>
-                </a:solidFill>
-                <a:latin typeface="Arial"/>
-              </a:rPr>
-              <a:t>"HOT" lorsque la température captée est </a:t>
-            </a:r>
-            <a:r>
-              <a:rPr b="0" lang="fr-FR" sz="3200" spc="-1" strike="noStrike">
-                <a:solidFill>
-                  <a:srgbClr val="000000"/>
-                </a:solidFill>
-                <a:latin typeface="Arial"/>
-              </a:rPr>
-              <a:t>suppérieure ou égale a 40 °C.</a:t>
-            </a:r>
-            <a:endParaRPr b="0" lang="fr-FR" sz="3200" spc="-1" strike="noStrike">
-              <a:solidFill>
-                <a:srgbClr val="000000"/>
-              </a:solidFill>
-              <a:latin typeface="Arial"/>
-            </a:endParaRPr>
-          </a:p>
-          <a:p>
-            <a:pPr marL="432000" indent="-324000">
-              <a:spcBef>
-                <a:spcPts val="1417"/>
-              </a:spcBef>
-              <a:buClr>
-                <a:srgbClr val="000000"/>
-              </a:buClr>
-              <a:buSzPct val="45000"/>
-              <a:buFont typeface="Wingdings" charset="2"/>
-              <a:buChar char=""/>
-            </a:pPr>
-            <a:r>
-              <a:rPr b="0" lang="fr-FR" sz="3200" spc="-1" strike="noStrike">
-                <a:solidFill>
-                  <a:srgbClr val="000000"/>
-                </a:solidFill>
-                <a:latin typeface="Arial"/>
-              </a:rPr>
-              <a:t>3°) Je veux l'état de mon Sensor soit à "COLD" </a:t>
-            </a:r>
-            <a:r>
-              <a:rPr b="0" lang="fr-FR" sz="3200" spc="-1" strike="noStrike">
-                <a:solidFill>
-                  <a:srgbClr val="000000"/>
-                </a:solidFill>
-                <a:latin typeface="Arial"/>
-              </a:rPr>
-              <a:t>lorsque la température captée est inferieur a 22 </a:t>
-            </a:r>
-            <a:r>
-              <a:rPr b="0" lang="fr-FR" sz="3200" spc="-1" strike="noStrike">
-                <a:solidFill>
-                  <a:srgbClr val="000000"/>
-                </a:solidFill>
-                <a:latin typeface="Arial"/>
-              </a:rPr>
-              <a:t>°C.</a:t>
-            </a:r>
-            <a:endParaRPr b="0" lang="fr-FR" sz="3200" spc="-1" strike="noStrike">
-              <a:solidFill>
-                <a:srgbClr val="000000"/>
-              </a:solidFill>
-              <a:latin typeface="Arial"/>
-            </a:endParaRPr>
-          </a:p>
-          <a:p>
-            <a:pPr marL="432000" indent="-324000">
-              <a:spcBef>
-                <a:spcPts val="1417"/>
-              </a:spcBef>
-              <a:buClr>
-                <a:srgbClr val="000000"/>
-              </a:buClr>
-              <a:buSzPct val="45000"/>
-              <a:buFont typeface="Wingdings" charset="2"/>
-              <a:buChar char=""/>
-            </a:pPr>
-            <a:r>
-              <a:rPr b="0" lang="fr-FR" sz="3200" spc="-1" strike="noStrike">
-                <a:solidFill>
-                  <a:srgbClr val="000000"/>
-                </a:solidFill>
-                <a:latin typeface="Arial"/>
-              </a:rPr>
-              <a:t>4°) Je veux l'état de mon Sensor soit à </a:t>
-            </a:r>
-            <a:r>
-              <a:rPr b="0" lang="fr-FR" sz="3200" spc="-1" strike="noStrike">
-                <a:solidFill>
-                  <a:srgbClr val="000000"/>
-                </a:solidFill>
-                <a:latin typeface="Arial"/>
-              </a:rPr>
-              <a:t>"WARM" lorsque la température captée est </a:t>
-            </a:r>
-            <a:r>
-              <a:rPr b="0" lang="fr-FR" sz="3200" spc="-1" strike="noStrike">
-                <a:solidFill>
-                  <a:srgbClr val="000000"/>
-                </a:solidFill>
-                <a:latin typeface="Arial"/>
-              </a:rPr>
-              <a:t>entre 22 et inferieur à 40 °C.</a:t>
-            </a:r>
-            <a:endParaRPr b="0" lang="fr-FR" sz="3200" spc="-1" strike="noStrike">
-              <a:solidFill>
-                <a:srgbClr val="000000"/>
-              </a:solidFill>
-              <a:latin typeface="Arial"/>
-            </a:endParaRPr>
-          </a:p>
-          <a:p>
-            <a:pPr marL="432000" indent="-324000">
-              <a:spcBef>
-                <a:spcPts val="1417"/>
-              </a:spcBef>
-              <a:buClr>
-                <a:srgbClr val="000000"/>
-              </a:buClr>
-              <a:buSzPct val="45000"/>
-              <a:buFont typeface="Wingdings" charset="2"/>
-              <a:buChar char=""/>
-            </a:pPr>
-            <a:r>
-              <a:rPr b="0" lang="fr-FR" sz="3200" spc="-1" strike="noStrike">
-                <a:solidFill>
-                  <a:srgbClr val="000000"/>
-                </a:solidFill>
-                <a:latin typeface="Arial"/>
-              </a:rPr>
-              <a:t>5°) Je veux récuperer l'historique des 15 </a:t>
-            </a:r>
-            <a:r>
-              <a:rPr b="0" lang="fr-FR" sz="3200" spc="-1" strike="noStrike">
-                <a:solidFill>
-                  <a:srgbClr val="000000"/>
-                </a:solidFill>
-                <a:latin typeface="Arial"/>
-              </a:rPr>
-              <a:t>dernieres demandes des températures.</a:t>
-            </a:r>
-            <a:endParaRPr b="0" lang="fr-FR" sz="3200" spc="-1" strike="noStrike">
-              <a:solidFill>
-                <a:srgbClr val="000000"/>
-              </a:solidFill>
-              <a:latin typeface="Arial"/>
-            </a:endParaRPr>
-          </a:p>
-          <a:p>
-            <a:pPr marL="432000" indent="-324000">
-              <a:spcBef>
-                <a:spcPts val="1417"/>
-              </a:spcBef>
-              <a:buClr>
-                <a:srgbClr val="000000"/>
-              </a:buClr>
-              <a:buSzPct val="45000"/>
-              <a:buFont typeface="Wingdings" charset="2"/>
-              <a:buChar char=""/>
-            </a:pPr>
-            <a:r>
-              <a:rPr b="0" lang="fr-FR" sz="3200" spc="-1" strike="noStrike">
-                <a:solidFill>
-                  <a:srgbClr val="000000"/>
-                </a:solidFill>
-                <a:latin typeface="Arial"/>
-              </a:rPr>
-              <a:t>6°) Je veux pouvoir redefinir les limites pour </a:t>
-            </a:r>
-            <a:r>
-              <a:rPr b="0" lang="fr-FR" sz="3200" spc="-1" strike="noStrike">
-                <a:solidFill>
-                  <a:srgbClr val="000000"/>
-                </a:solidFill>
-                <a:latin typeface="Arial"/>
-              </a:rPr>
-              <a:t>"HOT", "COLD", "WARM"</a:t>
-            </a:r>
-            <a:endParaRPr b="0" lang="fr-FR" sz="3200" spc="-1" strike="noStrike">
+            <a:pPr lvl="1" marL="864000" indent="-324000">
+              <a:spcBef>
+                <a:spcPts val="1134"/>
+              </a:spcBef>
+              <a:buClr>
+                <a:srgbClr val="000000"/>
+              </a:buClr>
+              <a:buSzPct val="75000"/>
+              <a:buFont typeface="Symbol" charset="2"/>
+              <a:buChar char=""/>
+            </a:pPr>
+            <a:r>
+              <a:rPr b="0" lang="fr-FR" sz="2800" spc="-1" strike="noStrike">
+                <a:solidFill>
+                  <a:srgbClr val="000000"/>
+                </a:solidFill>
+                <a:latin typeface="Arial"/>
+              </a:rPr>
+              <a:t>Hexagonal Architecture</a:t>
+            </a:r>
+            <a:endParaRPr b="0" lang="fr-FR" sz="2800" spc="-1" strike="noStrike">
+              <a:solidFill>
+                <a:srgbClr val="000000"/>
+              </a:solidFill>
+              <a:latin typeface="Arial"/>
+            </a:endParaRPr>
+          </a:p>
+          <a:p>
+            <a:pPr lvl="1" marL="864000" indent="-324000">
+              <a:spcBef>
+                <a:spcPts val="1134"/>
+              </a:spcBef>
+              <a:buClr>
+                <a:srgbClr val="000000"/>
+              </a:buClr>
+              <a:buSzPct val="75000"/>
+              <a:buFont typeface="Symbol" charset="2"/>
+              <a:buChar char=""/>
+            </a:pPr>
+            <a:r>
+              <a:rPr b="0" lang="fr-FR" sz="2800" spc="-1" strike="noStrike">
+                <a:solidFill>
+                  <a:srgbClr val="000000"/>
+                </a:solidFill>
+                <a:latin typeface="Arial"/>
+              </a:rPr>
+              <a:t>Manifesto Agile</a:t>
+            </a:r>
+            <a:endParaRPr b="0" lang="fr-FR" sz="2800" spc="-1" strike="noStrike">
+              <a:solidFill>
+                <a:srgbClr val="000000"/>
+              </a:solidFill>
+              <a:latin typeface="Arial"/>
+            </a:endParaRPr>
+          </a:p>
+          <a:p>
+            <a:pPr lvl="1" marL="864000" indent="-324000">
+              <a:spcBef>
+                <a:spcPts val="1134"/>
+              </a:spcBef>
+              <a:buClr>
+                <a:srgbClr val="000000"/>
+              </a:buClr>
+              <a:buSzPct val="75000"/>
+              <a:buFont typeface="Symbol" charset="2"/>
+              <a:buChar char=""/>
+            </a:pPr>
+            <a:r>
+              <a:rPr b="0" lang="fr-FR" sz="2800" spc="-1" strike="noStrike">
+                <a:solidFill>
+                  <a:srgbClr val="000000"/>
+                </a:solidFill>
+                <a:latin typeface="Arial"/>
+              </a:rPr>
+              <a:t>Writing Effective Use Cases</a:t>
+            </a:r>
+            <a:endParaRPr b="0" lang="fr-FR" sz="2800" spc="-1" strike="noStrike">
               <a:solidFill>
                 <a:srgbClr val="000000"/>
               </a:solidFill>
@@ -1764,7 +2438,7 @@
       </p:grpSpPr>
       <p:sp>
         <p:nvSpPr>
-          <p:cNvPr id="15" name="PlaceHolder 1"/>
+          <p:cNvPr id="22" name="PlaceHolder 1"/>
           <p:cNvSpPr>
             <a:spLocks noGrp="1"/>
           </p:cNvSpPr>
@@ -1774,8 +2448,8 @@
         </p:nvSpPr>
         <p:spPr>
           <a:xfrm>
-            <a:off x="504000" y="74160"/>
-            <a:ext cx="9071640" cy="1250280"/>
+            <a:off x="504000" y="226080"/>
+            <a:ext cx="9071280" cy="946080"/>
           </a:xfrm>
           <a:prstGeom prst="rect">
             <a:avLst/>
@@ -1800,7 +2474,7 @@
                 </a:solidFill>
                 <a:latin typeface="Arial"/>
               </a:rPr>
-              <a:t>Qu'est-ce que l'Architecture Hexagonale ?</a:t>
+              <a:t>Popularité</a:t>
             </a:r>
             <a:endParaRPr b="0" lang="fr-FR" sz="4400" spc="-1" strike="noStrike">
               <a:solidFill>
@@ -1813,7 +2487,7 @@
       </p:sp>
       <p:sp>
         <p:nvSpPr>
-          <p:cNvPr id="16" name="PlaceHolder 2"/>
+          <p:cNvPr id="23" name="PlaceHolder 2"/>
           <p:cNvSpPr>
             <a:spLocks noGrp="1"/>
           </p:cNvSpPr>
@@ -1824,7 +2498,7 @@
         <p:spPr>
           <a:xfrm>
             <a:off x="504000" y="1326600"/>
-            <a:ext cx="9071640" cy="3288240"/>
+            <a:ext cx="9072000" cy="3288600"/>
           </a:xfrm>
           <a:prstGeom prst="rect">
             <a:avLst/>
@@ -1836,7 +2510,7 @@
         </p:spPr>
         <p:txBody>
           <a:bodyPr lIns="0" rIns="0" tIns="0" bIns="0" anchor="t">
-            <a:normAutofit fontScale="90616"/>
+            <a:normAutofit/>
           </a:bodyPr>
           <a:p>
             <a:pPr marL="432000" indent="-324000">
@@ -1857,16 +2531,7 @@
                 </a:solidFill>
                 <a:latin typeface="Arial"/>
               </a:rPr>
-              <a:t>Principe : Découpler le cœur métier (domain) </a:t>
-            </a:r>
-            <a:r>
-              <a:rPr b="0" lang="fr-FR" sz="3200" spc="-1" strike="noStrike">
-                <a:solidFill>
-                  <a:srgbClr val="000000"/>
-                </a:solidFill>
-                <a:latin typeface="Arial"/>
-              </a:rPr>
-              <a:t>des interfaces et des infrastructures externes.</a:t>
+              <a:t>L'architecture hexagonale est de plus en plus adoptée :</a:t>
             </a:r>
             <a:endParaRPr b="0" lang="fr-FR" sz="3200" spc="-1" strike="noStrike">
               <a:solidFill>
@@ -1876,91 +2541,55 @@
             </a:endParaRPr>
           </a:p>
           <a:p>
-            <a:pPr marL="432000" indent="-324000">
-              <a:spcBef>
-                <a:spcPts val="1417"/>
-              </a:spcBef>
-              <a:buClr>
-                <a:srgbClr val="000000"/>
-              </a:buClr>
-              <a:buSzPct val="45000"/>
-              <a:buFont typeface="Wingdings" charset="2"/>
-              <a:buChar char=""/>
-            </a:pPr>
-            <a:r>
-              <a:rPr b="0" lang="fr-FR" sz="3200" spc="-1" strike="noStrike">
-                <a:solidFill>
-                  <a:srgbClr val="000000"/>
-                </a:solidFill>
-                <a:latin typeface="Arial"/>
-              </a:rPr>
-              <a:t>Structure : Architecture centrée sur le domaine </a:t>
-            </a:r>
-            <a:r>
-              <a:rPr b="0" lang="fr-FR" sz="3200" spc="-1" strike="noStrike">
-                <a:solidFill>
-                  <a:srgbClr val="000000"/>
-                </a:solidFill>
-                <a:latin typeface="Arial"/>
-              </a:rPr>
-              <a:t>métier avec des ports (interfaces) et </a:t>
-            </a:r>
-            <a:r>
-              <a:rPr b="0" lang="fr-FR" sz="3200" spc="-1" strike="noStrike">
-                <a:solidFill>
-                  <a:srgbClr val="000000"/>
-                </a:solidFill>
-                <a:latin typeface="Arial"/>
-              </a:rPr>
-              <a:t>adaptateurs (implémentations).</a:t>
-            </a:r>
-            <a:endParaRPr b="0" lang="fr-FR" sz="3200" spc="-1" strike="noStrike">
-              <a:solidFill>
-                <a:srgbClr val="000000"/>
-              </a:solidFill>
-              <a:latin typeface="Arial"/>
-            </a:endParaRPr>
-          </a:p>
-          <a:p>
-            <a:pPr marL="432000" indent="-324000">
-              <a:spcBef>
-                <a:spcPts val="1417"/>
-              </a:spcBef>
-              <a:buClr>
-                <a:srgbClr val="000000"/>
-              </a:buClr>
-              <a:buSzPct val="45000"/>
-              <a:buFont typeface="Wingdings" charset="2"/>
-              <a:buChar char=""/>
-            </a:pPr>
-            <a:r>
-              <a:rPr b="0" lang="fr-FR" sz="3200" spc="-1" strike="noStrike">
-                <a:solidFill>
-                  <a:srgbClr val="000000"/>
-                </a:solidFill>
-                <a:latin typeface="Arial"/>
-              </a:rPr>
-              <a:t>Avantage : Flexibilité et indépendance vis-à-vis </a:t>
-            </a:r>
-            <a:r>
-              <a:rPr b="0" lang="fr-FR" sz="3200" spc="-1" strike="noStrike">
-                <a:solidFill>
-                  <a:srgbClr val="000000"/>
-                </a:solidFill>
-                <a:latin typeface="Arial"/>
-              </a:rPr>
-              <a:t>de la technologie, facilitant les tests et </a:t>
-            </a:r>
-            <a:r>
-              <a:rPr b="0" lang="fr-FR" sz="3200" spc="-1" strike="noStrike">
-                <a:solidFill>
-                  <a:srgbClr val="000000"/>
-                </a:solidFill>
-                <a:latin typeface="Arial"/>
-              </a:rPr>
-              <a:t>l’évolution.</a:t>
-            </a:r>
-            <a:endParaRPr b="0" lang="fr-FR" sz="3200" spc="-1" strike="noStrike">
+            <a:pPr lvl="1" marL="864000" indent="-324000">
+              <a:spcBef>
+                <a:spcPts val="1134"/>
+              </a:spcBef>
+              <a:buClr>
+                <a:srgbClr val="000000"/>
+              </a:buClr>
+              <a:buSzPct val="75000"/>
+              <a:buFont typeface="Symbol" charset="2"/>
+              <a:buChar char=""/>
+            </a:pPr>
+            <a:r>
+              <a:rPr b="0" lang="fr-FR" sz="2800" spc="-1" strike="noStrike">
+                <a:solidFill>
+                  <a:srgbClr val="000000"/>
+                </a:solidFill>
+                <a:latin typeface="Arial"/>
+              </a:rPr>
+              <a:t>Dans certaines équipe LO.</a:t>
+            </a:r>
+            <a:endParaRPr b="0" lang="fr-FR" sz="2800" spc="-1" strike="noStrike">
+              <a:solidFill>
+                <a:srgbClr val="000000"/>
+              </a:solidFill>
+              <a:latin typeface="Arial"/>
+            </a:endParaRPr>
+          </a:p>
+          <a:p>
+            <a:pPr lvl="1" marL="864000" indent="-324000">
+              <a:spcBef>
+                <a:spcPts val="1134"/>
+              </a:spcBef>
+              <a:buClr>
+                <a:srgbClr val="000000"/>
+              </a:buClr>
+              <a:buSzPct val="75000"/>
+              <a:buFont typeface="Symbol" charset="2"/>
+              <a:buChar char=""/>
+            </a:pPr>
+            <a:r>
+              <a:rPr b="0" lang="fr-FR" sz="2800" spc="-1" strike="noStrike">
+                <a:solidFill>
+                  <a:srgbClr val="000000"/>
+                </a:solidFill>
+                <a:latin typeface="Arial"/>
+              </a:rPr>
+              <a:t>En banque, finance (SG, Harvest)</a:t>
+            </a:r>
+            <a:endParaRPr b="0" lang="fr-FR" sz="2800" spc="-1" strike="noStrike">
               <a:solidFill>
                 <a:srgbClr val="000000"/>
               </a:solidFill>
@@ -2001,7 +2630,7 @@
       </p:grpSpPr>
       <p:sp>
         <p:nvSpPr>
-          <p:cNvPr id="17" name="PlaceHolder 1"/>
+          <p:cNvPr id="24" name="PlaceHolder 1"/>
           <p:cNvSpPr>
             <a:spLocks noGrp="1"/>
           </p:cNvSpPr>
@@ -2012,7 +2641,7 @@
         <p:spPr>
           <a:xfrm>
             <a:off x="504000" y="74160"/>
-            <a:ext cx="9071640" cy="1250280"/>
+            <a:ext cx="9071280" cy="1249920"/>
           </a:xfrm>
           <a:prstGeom prst="rect">
             <a:avLst/>
@@ -2028,7 +2657,13 @@
           </a:bodyPr>
           <a:p>
             <a:pPr indent="0" algn="ctr">
+              <a:lnSpc>
+                <a:spcPct val="100000"/>
+              </a:lnSpc>
               <a:buNone/>
+              <a:tabLst>
+                <a:tab algn="l" pos="0"/>
+              </a:tabLst>
             </a:pPr>
             <a:r>
               <a:rPr b="0" lang="fr-FR" sz="4400" spc="-1" strike="noStrike">
@@ -2037,7 +2672,7 @@
                 </a:solidFill>
                 <a:latin typeface="Arial"/>
               </a:rPr>
-              <a:t>Qu'est-ce que l'Architecture Hexagonale ?</a:t>
+              <a:t>Quand utiliser l'architecture hexagonale ?</a:t>
             </a:r>
             <a:endParaRPr b="0" lang="fr-FR" sz="4400" spc="-1" strike="noStrike">
               <a:solidFill>
@@ -2048,29 +2683,252 @@
           </a:p>
         </p:txBody>
       </p:sp>
-      <p:pic>
-        <p:nvPicPr>
-          <p:cNvPr id="18" name="" descr=""/>
-          <p:cNvPicPr/>
-          <p:nvPr/>
-        </p:nvPicPr>
-        <p:blipFill>
-          <a:blip r:embed="rId1"/>
-          <a:stretch/>
-        </p:blipFill>
+      <p:sp>
+        <p:nvSpPr>
+          <p:cNvPr id="25" name="PlaceHolder 2"/>
+          <p:cNvSpPr>
+            <a:spLocks noGrp="1"/>
+          </p:cNvSpPr>
+          <p:nvPr>
+            <p:ph/>
+          </p:nvPr>
+        </p:nvSpPr>
         <p:spPr>
           <a:xfrm>
-            <a:off x="1980000" y="1324440"/>
-            <a:ext cx="6840000" cy="3922920"/>
+            <a:off x="504000" y="1326600"/>
+            <a:ext cx="9071280" cy="3287880"/>
           </a:xfrm>
           <a:prstGeom prst="rect">
             <a:avLst/>
           </a:prstGeom>
+          <a:noFill/>
           <a:ln w="0">
             <a:noFill/>
           </a:ln>
         </p:spPr>
-      </p:pic>
+        <p:txBody>
+          <a:bodyPr lIns="0" rIns="0" tIns="0" bIns="0" anchor="t">
+            <a:normAutofit fontScale="48333"/>
+          </a:bodyPr>
+          <a:p>
+            <a:pPr marL="432000" indent="-324000">
+              <a:lnSpc>
+                <a:spcPct val="100000"/>
+              </a:lnSpc>
+              <a:spcBef>
+                <a:spcPts val="1417"/>
+              </a:spcBef>
+              <a:buClr>
+                <a:srgbClr val="000000"/>
+              </a:buClr>
+              <a:buSzPct val="45000"/>
+              <a:buFont typeface="Wingdings" charset="2"/>
+              <a:buChar char=""/>
+            </a:pPr>
+            <a:r>
+              <a:rPr b="0" lang="fr-FR" sz="3200" spc="-1" strike="noStrike">
+                <a:solidFill>
+                  <a:srgbClr val="000000"/>
+                </a:solidFill>
+                <a:latin typeface="Arial"/>
+              </a:rPr>
+              <a:t>Applications complexes et évolutives:</a:t>
+            </a:r>
+            <a:endParaRPr b="0" lang="fr-FR" sz="3200" spc="-1" strike="noStrike">
+              <a:solidFill>
+                <a:srgbClr val="000000"/>
+              </a:solidFill>
+              <a:latin typeface="Arial"/>
+            </a:endParaRPr>
+          </a:p>
+          <a:p>
+            <a:pPr lvl="1" marL="864000" indent="-324000">
+              <a:lnSpc>
+                <a:spcPct val="100000"/>
+              </a:lnSpc>
+              <a:spcBef>
+                <a:spcPts val="1134"/>
+              </a:spcBef>
+              <a:buClr>
+                <a:srgbClr val="000000"/>
+              </a:buClr>
+              <a:buSzPct val="75000"/>
+              <a:buFont typeface="Symbol" charset="2"/>
+              <a:buChar char=""/>
+            </a:pPr>
+            <a:r>
+              <a:rPr b="0" lang="fr-FR" sz="2800" spc="-1" strike="noStrike">
+                <a:solidFill>
+                  <a:srgbClr val="000000"/>
+                </a:solidFill>
+                <a:latin typeface="Arial"/>
+              </a:rPr>
+              <a:t>logique métier riche et en évolution</a:t>
+            </a:r>
+            <a:endParaRPr b="0" lang="fr-FR" sz="2800" spc="-1" strike="noStrike">
+              <a:solidFill>
+                <a:srgbClr val="000000"/>
+              </a:solidFill>
+              <a:latin typeface="Arial"/>
+            </a:endParaRPr>
+          </a:p>
+          <a:p>
+            <a:pPr lvl="1" marL="864000" indent="-324000">
+              <a:lnSpc>
+                <a:spcPct val="100000"/>
+              </a:lnSpc>
+              <a:spcBef>
+                <a:spcPts val="1134"/>
+              </a:spcBef>
+              <a:buClr>
+                <a:srgbClr val="000000"/>
+              </a:buClr>
+              <a:buSzPct val="75000"/>
+              <a:buFont typeface="Symbol" charset="2"/>
+              <a:buChar char=""/>
+            </a:pPr>
+            <a:r>
+              <a:rPr b="0" lang="fr-FR" sz="2800" spc="-1" strike="noStrike">
+                <a:solidFill>
+                  <a:srgbClr val="000000"/>
+                </a:solidFill>
+                <a:latin typeface="Arial"/>
+              </a:rPr>
+              <a:t>besoin de s’adapter facilement aux changements de technologies</a:t>
+            </a:r>
+            <a:endParaRPr b="0" lang="fr-FR" sz="2800" spc="-1" strike="noStrike">
+              <a:solidFill>
+                <a:srgbClr val="000000"/>
+              </a:solidFill>
+              <a:latin typeface="Arial"/>
+            </a:endParaRPr>
+          </a:p>
+          <a:p>
+            <a:pPr marL="432000" indent="-324000">
+              <a:lnSpc>
+                <a:spcPct val="100000"/>
+              </a:lnSpc>
+              <a:spcBef>
+                <a:spcPts val="1417"/>
+              </a:spcBef>
+              <a:buClr>
+                <a:srgbClr val="000000"/>
+              </a:buClr>
+              <a:buSzPct val="45000"/>
+              <a:buFont typeface="Wingdings" charset="2"/>
+              <a:buChar char=""/>
+            </a:pPr>
+            <a:r>
+              <a:rPr b="0" lang="fr-FR" sz="3200" spc="-1" strike="noStrike">
+                <a:solidFill>
+                  <a:srgbClr val="000000"/>
+                </a:solidFill>
+                <a:latin typeface="Arial"/>
+              </a:rPr>
+              <a:t>Multitude d’interfaces utilisateur: si l'application doit être accessible via web, mobile, API, etc.</a:t>
+            </a:r>
+            <a:endParaRPr b="0" lang="fr-FR" sz="3200" spc="-1" strike="noStrike">
+              <a:solidFill>
+                <a:srgbClr val="000000"/>
+              </a:solidFill>
+              <a:latin typeface="Arial"/>
+            </a:endParaRPr>
+          </a:p>
+          <a:p>
+            <a:pPr marL="432000" indent="-324000">
+              <a:lnSpc>
+                <a:spcPct val="100000"/>
+              </a:lnSpc>
+              <a:spcBef>
+                <a:spcPts val="1417"/>
+              </a:spcBef>
+              <a:buClr>
+                <a:srgbClr val="000000"/>
+              </a:buClr>
+              <a:buSzPct val="45000"/>
+              <a:buFont typeface="Wingdings" charset="2"/>
+              <a:buChar char=""/>
+            </a:pPr>
+            <a:r>
+              <a:rPr b="0" lang="fr-FR" sz="3200" spc="-1" strike="noStrike">
+                <a:solidFill>
+                  <a:srgbClr val="000000"/>
+                </a:solidFill>
+                <a:latin typeface="Arial"/>
+              </a:rPr>
+              <a:t>Testabilité accrue: permet de tester le domaine métier de manière isolée, sans dépendances techniques.</a:t>
+            </a:r>
+            <a:endParaRPr b="0" lang="fr-FR" sz="3200" spc="-1" strike="noStrike">
+              <a:solidFill>
+                <a:srgbClr val="000000"/>
+              </a:solidFill>
+              <a:latin typeface="Arial"/>
+            </a:endParaRPr>
+          </a:p>
+          <a:p>
+            <a:pPr marL="432000" indent="-324000">
+              <a:lnSpc>
+                <a:spcPct val="100000"/>
+              </a:lnSpc>
+              <a:spcBef>
+                <a:spcPts val="1417"/>
+              </a:spcBef>
+              <a:buClr>
+                <a:srgbClr val="000000"/>
+              </a:buClr>
+              <a:buSzPct val="45000"/>
+              <a:buFont typeface="Wingdings" charset="2"/>
+              <a:buChar char=""/>
+            </a:pPr>
+            <a:r>
+              <a:rPr b="0" lang="fr-FR" sz="3200" spc="-1" strike="noStrike">
+                <a:solidFill>
+                  <a:srgbClr val="000000"/>
+                </a:solidFill>
+                <a:latin typeface="Arial"/>
+              </a:rPr>
+              <a:t>Contexte de Domain-Driven Design (DDD): idéal pour préserver l’indépendance et la pureté d’un modèle de domaine riche.</a:t>
+            </a:r>
+            <a:endParaRPr b="0" lang="fr-FR" sz="3200" spc="-1" strike="noStrike">
+              <a:solidFill>
+                <a:srgbClr val="000000"/>
+              </a:solidFill>
+              <a:latin typeface="Arial"/>
+            </a:endParaRPr>
+          </a:p>
+          <a:p>
+            <a:pPr marL="432000" indent="-324000">
+              <a:lnSpc>
+                <a:spcPct val="100000"/>
+              </a:lnSpc>
+              <a:spcBef>
+                <a:spcPts val="1417"/>
+              </a:spcBef>
+              <a:buClr>
+                <a:srgbClr val="000000"/>
+              </a:buClr>
+              <a:buSzPct val="45000"/>
+              <a:buFont typeface="Wingdings" charset="2"/>
+              <a:buChar char=""/>
+            </a:pPr>
+            <a:r>
+              <a:rPr b="0" lang="fr-FR" sz="3200" spc="-1" strike="noStrike">
+                <a:solidFill>
+                  <a:srgbClr val="000000"/>
+                </a:solidFill>
+                <a:latin typeface="Arial"/>
+              </a:rPr>
+              <a:t>Projets exposés à des changements d'infrastructure: facilite la transition vers de nouvelles technologies (ex. migration de base de données).</a:t>
+            </a:r>
+            <a:endParaRPr b="0" lang="fr-FR" sz="3200" spc="-1" strike="noStrike">
+              <a:solidFill>
+                <a:srgbClr val="000000"/>
+              </a:solidFill>
+              <a:latin typeface="Arial"/>
+            </a:endParaRPr>
+          </a:p>
+        </p:txBody>
+      </p:sp>
     </p:spTree>
   </p:cSld>
   <mc:AlternateContent>
@@ -2103,7 +2961,7 @@
       </p:grpSpPr>
       <p:sp>
         <p:nvSpPr>
-          <p:cNvPr id="19" name="PlaceHolder 1"/>
+          <p:cNvPr id="26" name="PlaceHolder 1"/>
           <p:cNvSpPr>
             <a:spLocks noGrp="1"/>
           </p:cNvSpPr>
@@ -2114,7 +2972,7 @@
         <p:spPr>
           <a:xfrm>
             <a:off x="504000" y="74160"/>
-            <a:ext cx="9071640" cy="1250280"/>
+            <a:ext cx="9071280" cy="1249920"/>
           </a:xfrm>
           <a:prstGeom prst="rect">
             <a:avLst/>
@@ -2130,7 +2988,13 @@
           </a:bodyPr>
           <a:p>
             <a:pPr indent="0" algn="ctr">
+              <a:lnSpc>
+                <a:spcPct val="100000"/>
+              </a:lnSpc>
               <a:buNone/>
+              <a:tabLst>
+                <a:tab algn="l" pos="0"/>
+              </a:tabLst>
             </a:pPr>
             <a:r>
               <a:rPr b="0" lang="fr-FR" sz="4400" spc="-1" strike="noStrike">
@@ -2139,7 +3003,7 @@
                 </a:solidFill>
                 <a:latin typeface="Arial"/>
               </a:rPr>
-              <a:t>Domain-Driven Design (DDD) : Une Approche Orientée Métier</a:t>
+              <a:t>Qu'est-ce que l'Architecture Hexagonale ?</a:t>
             </a:r>
             <a:endParaRPr b="0" lang="fr-FR" sz="4400" spc="-1" strike="noStrike">
               <a:solidFill>
@@ -2152,7 +3016,7 @@
       </p:sp>
       <p:sp>
         <p:nvSpPr>
-          <p:cNvPr id="20" name="PlaceHolder 2"/>
+          <p:cNvPr id="27" name="PlaceHolder 2"/>
           <p:cNvSpPr>
             <a:spLocks noGrp="1"/>
           </p:cNvSpPr>
@@ -2163,7 +3027,7 @@
         <p:spPr>
           <a:xfrm>
             <a:off x="504000" y="1326600"/>
-            <a:ext cx="9071640" cy="3288240"/>
+            <a:ext cx="9071280" cy="3287880"/>
           </a:xfrm>
           <a:prstGeom prst="rect">
             <a:avLst/>
@@ -2175,10 +3039,13 @@
         </p:spPr>
         <p:txBody>
           <a:bodyPr lIns="0" rIns="0" tIns="0" bIns="0" anchor="t">
-            <a:normAutofit fontScale="74992" lnSpcReduction="20000"/>
+            <a:normAutofit fontScale="83888"/>
           </a:bodyPr>
           <a:p>
             <a:pPr marL="432000" indent="-324000">
+              <a:lnSpc>
+                <a:spcPct val="100000"/>
+              </a:lnSpc>
               <a:spcBef>
                 <a:spcPts val="1417"/>
               </a:spcBef>
@@ -2196,7 +3063,7 @@
                 </a:solidFill>
                 <a:latin typeface="Arial"/>
               </a:rPr>
-              <a:t>Modèle de Domaine : Représente les règles et logiques métier de manière pure et indépendante.</a:t>
+              <a:t>Principe : Découpler le cœur métier (domain) des interfaces et des infrastructures externes.</a:t>
             </a:r>
             <a:endParaRPr b="0" lang="fr-FR" sz="3200" spc="-1" strike="noStrike">
               <a:solidFill>
@@ -2207,6 +3074,9 @@
           </a:p>
           <a:p>
             <a:pPr marL="432000" indent="-324000">
+              <a:lnSpc>
+                <a:spcPct val="100000"/>
+              </a:lnSpc>
               <a:spcBef>
                 <a:spcPts val="1417"/>
               </a:spcBef>
@@ -2224,7 +3094,7 @@
                 </a:solidFill>
                 <a:latin typeface="Arial"/>
               </a:rPr>
-              <a:t>Concepts clés :</a:t>
+              <a:t>Structure : Architecture centrée sur le domaine métier avec des ports (interfaces) et adaptateurs (implémentations).</a:t>
             </a:r>
             <a:endParaRPr b="0" lang="fr-FR" sz="3200" spc="-1" strike="noStrike">
               <a:solidFill>
@@ -2234,119 +3104,10 @@
             </a:endParaRPr>
           </a:p>
           <a:p>
-            <a:pPr lvl="1" marL="864000" indent="-324000">
-              <a:spcBef>
-                <a:spcPts val="1134"/>
-              </a:spcBef>
-              <a:buClr>
-                <a:srgbClr val="000000"/>
-              </a:buClr>
-              <a:buSzPct val="75000"/>
-              <a:buFont typeface="Symbol" charset="2"/>
-              <a:buChar char=""/>
-            </a:pPr>
-            <a:r>
-              <a:rPr b="0" lang="fr-FR" sz="2800" spc="-1" strike="noStrike">
-                <a:solidFill>
-                  <a:srgbClr val="000000"/>
-                </a:solidFill>
-                <a:latin typeface="Arial"/>
-              </a:rPr>
-              <a:t>Entities : Objets avec une identité unique (ex: Client, Commande).</a:t>
-            </a:r>
-            <a:endParaRPr b="0" lang="fr-FR" sz="2800" spc="-1" strike="noStrike">
-              <a:solidFill>
-                <a:srgbClr val="000000"/>
-              </a:solidFill>
-              <a:latin typeface="Arial"/>
-            </a:endParaRPr>
-          </a:p>
-          <a:p>
-            <a:pPr lvl="1" marL="864000" indent="-324000">
-              <a:spcBef>
-                <a:spcPts val="1134"/>
-              </a:spcBef>
-              <a:buClr>
-                <a:srgbClr val="000000"/>
-              </a:buClr>
-              <a:buSzPct val="75000"/>
-              <a:buFont typeface="Symbol" charset="2"/>
-              <a:buChar char=""/>
-            </a:pPr>
-            <a:r>
-              <a:rPr b="0" lang="fr-FR" sz="2800" spc="-1" strike="noStrike">
-                <a:solidFill>
-                  <a:srgbClr val="000000"/>
-                </a:solidFill>
-                <a:latin typeface="Arial"/>
-              </a:rPr>
-              <a:t>Value Objects : Objets sans identité propre (ex: Adresse, Prix).</a:t>
-            </a:r>
-            <a:endParaRPr b="0" lang="fr-FR" sz="2800" spc="-1" strike="noStrike">
-              <a:solidFill>
-                <a:srgbClr val="000000"/>
-              </a:solidFill>
-              <a:latin typeface="Arial"/>
-            </a:endParaRPr>
-          </a:p>
-          <a:p>
-            <a:pPr lvl="1" marL="864000" indent="-324000">
-              <a:spcBef>
-                <a:spcPts val="1134"/>
-              </a:spcBef>
-              <a:buClr>
-                <a:srgbClr val="000000"/>
-              </a:buClr>
-              <a:buSzPct val="75000"/>
-              <a:buFont typeface="Symbol" charset="2"/>
-              <a:buChar char=""/>
-            </a:pPr>
-            <a:r>
-              <a:rPr b="0" lang="fr-FR" sz="2800" spc="-1" strike="noStrike">
-                <a:solidFill>
-                  <a:srgbClr val="000000"/>
-                </a:solidFill>
-                <a:latin typeface="Arial"/>
-              </a:rPr>
-              <a:t>Aggregates : Groupes cohérents d’entités gérés comme une unité.</a:t>
-            </a:r>
-            <a:endParaRPr b="0" lang="fr-FR" sz="2800" spc="-1" strike="noStrike">
-              <a:solidFill>
-                <a:srgbClr val="000000"/>
-              </a:solidFill>
-              <a:latin typeface="Arial"/>
-            </a:endParaRPr>
-          </a:p>
-          <a:p>
-            <a:pPr lvl="1" marL="864000" indent="-324000">
-              <a:spcBef>
-                <a:spcPts val="1134"/>
-              </a:spcBef>
-              <a:buClr>
-                <a:srgbClr val="000000"/>
-              </a:buClr>
-              <a:buSzPct val="75000"/>
-              <a:buFont typeface="Symbol" charset="2"/>
-              <a:buChar char=""/>
-            </a:pPr>
-            <a:r>
-              <a:rPr b="0" lang="fr-FR" sz="2800" spc="-1" strike="noStrike">
-                <a:solidFill>
-                  <a:srgbClr val="000000"/>
-                </a:solidFill>
-                <a:latin typeface="Arial"/>
-              </a:rPr>
-              <a:t>Services Métiers : Logique qui ne correspond pas à une entité ou un objet de valeur.</a:t>
-            </a:r>
-            <a:endParaRPr b="0" lang="fr-FR" sz="2800" spc="-1" strike="noStrike">
-              <a:solidFill>
-                <a:srgbClr val="000000"/>
-              </a:solidFill>
-              <a:latin typeface="Arial"/>
-            </a:endParaRPr>
-          </a:p>
-          <a:p>
             <a:pPr marL="432000" indent="-324000">
+              <a:lnSpc>
+                <a:spcPct val="100000"/>
+              </a:lnSpc>
               <a:spcBef>
                 <a:spcPts val="1417"/>
               </a:spcBef>
@@ -2364,7 +3125,7 @@
                 </a:solidFill>
                 <a:latin typeface="Arial"/>
               </a:rPr>
-              <a:t>Application : Permet de structurer le code autour du vocabulaire et des règles du domaine</a:t>
+              <a:t>Avantage : Flexibilité et indépendance vis-à-vis de la technologie, facilitant les tests et l’évolution.</a:t>
             </a:r>
             <a:endParaRPr b="0" lang="fr-FR" sz="3200" spc="-1" strike="noStrike">
               <a:solidFill>
@@ -2407,7 +3168,7 @@
       </p:grpSpPr>
       <p:sp>
         <p:nvSpPr>
-          <p:cNvPr id="21" name="PlaceHolder 1"/>
+          <p:cNvPr id="28" name="PlaceHolder 1"/>
           <p:cNvSpPr>
             <a:spLocks noGrp="1"/>
           </p:cNvSpPr>
@@ -2418,7 +3179,7 @@
         <p:spPr>
           <a:xfrm>
             <a:off x="504000" y="74160"/>
-            <a:ext cx="9071640" cy="1250280"/>
+            <a:ext cx="9071280" cy="1249920"/>
           </a:xfrm>
           <a:prstGeom prst="rect">
             <a:avLst/>
@@ -2434,7 +3195,13 @@
           </a:bodyPr>
           <a:p>
             <a:pPr indent="0" algn="ctr">
+              <a:lnSpc>
+                <a:spcPct val="100000"/>
+              </a:lnSpc>
               <a:buNone/>
+              <a:tabLst>
+                <a:tab algn="l" pos="0"/>
+              </a:tabLst>
             </a:pPr>
             <a:r>
               <a:rPr b="0" lang="fr-FR" sz="4400" spc="-1" strike="noStrike">
@@ -2443,7 +3210,7 @@
                 </a:solidFill>
                 <a:latin typeface="Arial"/>
               </a:rPr>
-              <a:t>Separation of Concerns : Domain et Infrastructure</a:t>
+              <a:t>Qu'est-ce que l'Architecture Hexagonale ?</a:t>
             </a:r>
             <a:endParaRPr b="0" lang="fr-FR" sz="4400" spc="-1" strike="noStrike">
               <a:solidFill>
@@ -2454,147 +3221,29 @@
           </a:p>
         </p:txBody>
       </p:sp>
-      <p:sp>
-        <p:nvSpPr>
-          <p:cNvPr id="22" name="PlaceHolder 2"/>
-          <p:cNvSpPr>
-            <a:spLocks noGrp="1"/>
-          </p:cNvSpPr>
-          <p:nvPr>
-            <p:ph/>
-          </p:nvPr>
-        </p:nvSpPr>
+      <p:pic>
+        <p:nvPicPr>
+          <p:cNvPr id="29" name="" descr=""/>
+          <p:cNvPicPr/>
+          <p:nvPr/>
+        </p:nvPicPr>
+        <p:blipFill>
+          <a:blip r:embed="rId1"/>
+          <a:stretch/>
+        </p:blipFill>
         <p:spPr>
           <a:xfrm>
-            <a:off x="504000" y="1326600"/>
-            <a:ext cx="9071640" cy="3288240"/>
+            <a:off x="1980000" y="1324440"/>
+            <a:ext cx="6839640" cy="3922560"/>
           </a:xfrm>
           <a:prstGeom prst="rect">
             <a:avLst/>
           </a:prstGeom>
-          <a:noFill/>
           <a:ln w="0">
             <a:noFill/>
           </a:ln>
         </p:spPr>
-        <p:txBody>
-          <a:bodyPr lIns="0" rIns="0" tIns="0" bIns="0" anchor="t">
-            <a:normAutofit fontScale="74992" lnSpcReduction="10000"/>
-          </a:bodyPr>
-          <a:p>
-            <a:pPr marL="432000" indent="-324000">
-              <a:spcBef>
-                <a:spcPts val="1417"/>
-              </a:spcBef>
-              <a:buClr>
-                <a:srgbClr val="000000"/>
-              </a:buClr>
-              <a:buSzPct val="45000"/>
-              <a:buFont typeface="Wingdings" charset="2"/>
-              <a:buChar char=""/>
-            </a:pPr>
-            <a:r>
-              <a:rPr b="0" lang="fr-FR" sz="3200" spc="-1" strike="noStrike">
-                <a:solidFill>
-                  <a:srgbClr val="000000"/>
-                </a:solidFill>
-                <a:latin typeface="Arial"/>
-              </a:rPr>
-              <a:t>Domain : Partie purement métier, autonome par rapport aux outils et technologies.</a:t>
-            </a:r>
-            <a:endParaRPr b="0" lang="fr-FR" sz="3200" spc="-1" strike="noStrike">
-              <a:solidFill>
-                <a:srgbClr val="000000"/>
-              </a:solidFill>
-              <a:latin typeface="Arial"/>
-            </a:endParaRPr>
-          </a:p>
-          <a:p>
-            <a:pPr marL="432000" indent="-324000">
-              <a:spcBef>
-                <a:spcPts val="1417"/>
-              </a:spcBef>
-              <a:buClr>
-                <a:srgbClr val="000000"/>
-              </a:buClr>
-              <a:buSzPct val="45000"/>
-              <a:buFont typeface="Wingdings" charset="2"/>
-              <a:buChar char=""/>
-            </a:pPr>
-            <a:r>
-              <a:rPr b="0" lang="fr-FR" sz="3200" spc="-1" strike="noStrike">
-                <a:solidFill>
-                  <a:srgbClr val="000000"/>
-                </a:solidFill>
-                <a:latin typeface="Arial"/>
-              </a:rPr>
-              <a:t>Application Layer : Orchestrateur des opérations métier, en utilisant les ports définis.</a:t>
-            </a:r>
-            <a:endParaRPr b="0" lang="fr-FR" sz="3200" spc="-1" strike="noStrike">
-              <a:solidFill>
-                <a:srgbClr val="000000"/>
-              </a:solidFill>
-              <a:latin typeface="Arial"/>
-            </a:endParaRPr>
-          </a:p>
-          <a:p>
-            <a:pPr marL="432000" indent="-324000">
-              <a:spcBef>
-                <a:spcPts val="1417"/>
-              </a:spcBef>
-              <a:buClr>
-                <a:srgbClr val="000000"/>
-              </a:buClr>
-              <a:buSzPct val="45000"/>
-              <a:buFont typeface="Wingdings" charset="2"/>
-              <a:buChar char=""/>
-            </a:pPr>
-            <a:r>
-              <a:rPr b="0" lang="fr-FR" sz="3200" spc="-1" strike="noStrike">
-                <a:solidFill>
-                  <a:srgbClr val="000000"/>
-                </a:solidFill>
-                <a:latin typeface="Arial"/>
-              </a:rPr>
-              <a:t>Infrastructure Layer : Gère les détails techniques (ex: bases de données, APIs externes).</a:t>
-            </a:r>
-            <a:endParaRPr b="0" lang="fr-FR" sz="3200" spc="-1" strike="noStrike">
-              <a:solidFill>
-                <a:srgbClr val="000000"/>
-              </a:solidFill>
-              <a:latin typeface="Arial"/>
-            </a:endParaRPr>
-          </a:p>
-          <a:p>
-            <a:pPr marL="432000" indent="-324000">
-              <a:spcBef>
-                <a:spcPts val="1417"/>
-              </a:spcBef>
-              <a:buClr>
-                <a:srgbClr val="000000"/>
-              </a:buClr>
-              <a:buSzPct val="45000"/>
-              <a:buFont typeface="Wingdings" charset="2"/>
-              <a:buChar char=""/>
-            </a:pPr>
-            <a:r>
-              <a:rPr b="0" lang="fr-FR" sz="3200" spc="-1" strike="noStrike">
-                <a:solidFill>
-                  <a:srgbClr val="000000"/>
-                </a:solidFill>
-                <a:latin typeface="Arial"/>
-              </a:rPr>
-              <a:t>Ports et Adaptateurs : Les ports sont des interfaces (abstractions) définies par le domaine ; les adaptateurs (implémentations) se trouvent dans l’infrastructure.</a:t>
-            </a:r>
-            <a:endParaRPr b="0" lang="fr-FR" sz="3200" spc="-1" strike="noStrike">
-              <a:solidFill>
-                <a:srgbClr val="000000"/>
-              </a:solidFill>
-              <a:latin typeface="Arial"/>
-            </a:endParaRPr>
-          </a:p>
-        </p:txBody>
-      </p:sp>
+      </p:pic>
     </p:spTree>
   </p:cSld>
   <mc:AlternateContent>
@@ -2627,7 +3276,7 @@
       </p:grpSpPr>
       <p:sp>
         <p:nvSpPr>
-          <p:cNvPr id="23" name="PlaceHolder 1"/>
+          <p:cNvPr id="30" name="PlaceHolder 1"/>
           <p:cNvSpPr>
             <a:spLocks noGrp="1"/>
           </p:cNvSpPr>
@@ -2638,7 +3287,7 @@
         <p:spPr>
           <a:xfrm>
             <a:off x="504000" y="74160"/>
-            <a:ext cx="9071640" cy="1250280"/>
+            <a:ext cx="9071280" cy="1249920"/>
           </a:xfrm>
           <a:prstGeom prst="rect">
             <a:avLst/>
@@ -2654,7 +3303,13 @@
           </a:bodyPr>
           <a:p>
             <a:pPr indent="0" algn="ctr">
+              <a:lnSpc>
+                <a:spcPct val="100000"/>
+              </a:lnSpc>
               <a:buNone/>
+              <a:tabLst>
+                <a:tab algn="l" pos="0"/>
+              </a:tabLst>
             </a:pPr>
             <a:r>
               <a:rPr b="0" lang="fr-FR" sz="4400" spc="-1" strike="noStrike">
@@ -2663,7 +3318,7 @@
                 </a:solidFill>
                 <a:latin typeface="Arial"/>
               </a:rPr>
-              <a:t>Principes Clés de l'Architecture Hexagonale</a:t>
+              <a:t>Domain-Driven Design (DDD) : Une Approche Orientée Métier</a:t>
             </a:r>
             <a:endParaRPr b="0" lang="fr-FR" sz="4400" spc="-1" strike="noStrike">
               <a:solidFill>
@@ -2676,7 +3331,7 @@
       </p:sp>
       <p:sp>
         <p:nvSpPr>
-          <p:cNvPr id="24" name="PlaceHolder 2"/>
+          <p:cNvPr id="31" name="PlaceHolder 2"/>
           <p:cNvSpPr>
             <a:spLocks noGrp="1"/>
           </p:cNvSpPr>
@@ -2687,7 +3342,7 @@
         <p:spPr>
           <a:xfrm>
             <a:off x="504000" y="1326600"/>
-            <a:ext cx="9071640" cy="3288240"/>
+            <a:ext cx="9071280" cy="3287880"/>
           </a:xfrm>
           <a:prstGeom prst="rect">
             <a:avLst/>
@@ -2699,10 +3354,13 @@
         </p:spPr>
         <p:txBody>
           <a:bodyPr lIns="0" rIns="0" tIns="0" bIns="0" anchor="t">
-            <a:normAutofit fontScale="90616"/>
+            <a:normAutofit fontScale="56111"/>
           </a:bodyPr>
           <a:p>
             <a:pPr marL="432000" indent="-324000">
+              <a:lnSpc>
+                <a:spcPct val="100000"/>
+              </a:lnSpc>
               <a:spcBef>
                 <a:spcPts val="1417"/>
               </a:spcBef>
@@ -2720,7 +3378,7 @@
                 </a:solidFill>
                 <a:latin typeface="Arial"/>
               </a:rPr>
-              <a:t>Indépendance : Le domaine ne dépend pas de la technologie (base de données, API, etc.).</a:t>
+              <a:t>Modèle de Domaine : Représente les règles et logiques métier de manière pure et indépendante.</a:t>
             </a:r>
             <a:endParaRPr b="0" lang="fr-FR" sz="3200" spc="-1" strike="noStrike">
               <a:solidFill>
@@ -2731,6 +3389,9 @@
           </a:p>
           <a:p>
             <a:pPr marL="432000" indent="-324000">
+              <a:lnSpc>
+                <a:spcPct val="100000"/>
+              </a:lnSpc>
               <a:spcBef>
                 <a:spcPts val="1417"/>
               </a:spcBef>
@@ -2748,7 +3409,7 @@
                 </a:solidFill>
                 <a:latin typeface="Arial"/>
               </a:rPr>
-              <a:t>Testabilité : Facilité de tester le domaine de manière isolée grâce aux ports et adaptateurs.</a:t>
+              <a:t>Concepts clés :</a:t>
             </a:r>
             <a:endParaRPr b="0" lang="fr-FR" sz="3200" spc="-1" strike="noStrike">
               <a:solidFill>
@@ -2758,7 +3419,134 @@
             </a:endParaRPr>
           </a:p>
           <a:p>
+            <a:pPr lvl="1" marL="864000" indent="-324000">
+              <a:lnSpc>
+                <a:spcPct val="100000"/>
+              </a:lnSpc>
+              <a:spcBef>
+                <a:spcPts val="1134"/>
+              </a:spcBef>
+              <a:buClr>
+                <a:srgbClr val="000000"/>
+              </a:buClr>
+              <a:buSzPct val="75000"/>
+              <a:buFont typeface="Symbol" charset="2"/>
+              <a:buChar char=""/>
+            </a:pPr>
+            <a:r>
+              <a:rPr b="0" lang="fr-FR" sz="2800" spc="-1" strike="noStrike">
+                <a:solidFill>
+                  <a:srgbClr val="000000"/>
+                </a:solidFill>
+                <a:latin typeface="Arial"/>
+              </a:rPr>
+              <a:t>Entities : Objets avec une identité unique (ex: Client, Commande).</a:t>
+            </a:r>
+            <a:endParaRPr b="0" lang="fr-FR" sz="2800" spc="-1" strike="noStrike">
+              <a:solidFill>
+                <a:srgbClr val="000000"/>
+              </a:solidFill>
+              <a:latin typeface="Arial"/>
+            </a:endParaRPr>
+          </a:p>
+          <a:p>
+            <a:pPr lvl="1" marL="864000" indent="-324000">
+              <a:lnSpc>
+                <a:spcPct val="100000"/>
+              </a:lnSpc>
+              <a:spcBef>
+                <a:spcPts val="1134"/>
+              </a:spcBef>
+              <a:buClr>
+                <a:srgbClr val="000000"/>
+              </a:buClr>
+              <a:buSzPct val="75000"/>
+              <a:buFont typeface="Symbol" charset="2"/>
+              <a:buChar char=""/>
+            </a:pPr>
+            <a:r>
+              <a:rPr b="0" lang="fr-FR" sz="2800" spc="-1" strike="noStrike">
+                <a:solidFill>
+                  <a:srgbClr val="000000"/>
+                </a:solidFill>
+                <a:latin typeface="Arial"/>
+              </a:rPr>
+              <a:t>Value Objects : Objets sans identité propre (ex: Adresse, Prix).</a:t>
+            </a:r>
+            <a:endParaRPr b="0" lang="fr-FR" sz="2800" spc="-1" strike="noStrike">
+              <a:solidFill>
+                <a:srgbClr val="000000"/>
+              </a:solidFill>
+              <a:latin typeface="Arial"/>
+            </a:endParaRPr>
+          </a:p>
+          <a:p>
+            <a:pPr lvl="1" marL="864000" indent="-324000">
+              <a:lnSpc>
+                <a:spcPct val="100000"/>
+              </a:lnSpc>
+              <a:spcBef>
+                <a:spcPts val="1134"/>
+              </a:spcBef>
+              <a:buClr>
+                <a:srgbClr val="000000"/>
+              </a:buClr>
+              <a:buSzPct val="75000"/>
+              <a:buFont typeface="Symbol" charset="2"/>
+              <a:buChar char=""/>
+            </a:pPr>
+            <a:r>
+              <a:rPr b="0" lang="fr-FR" sz="2800" spc="-1" strike="noStrike">
+                <a:solidFill>
+                  <a:srgbClr val="000000"/>
+                </a:solidFill>
+                <a:latin typeface="Arial"/>
+              </a:rPr>
+              <a:t>Aggregates : Groupes cohérents d’entités gérés comme une unité.</a:t>
+            </a:r>
+            <a:endParaRPr b="0" lang="fr-FR" sz="2800" spc="-1" strike="noStrike">
+              <a:solidFill>
+                <a:srgbClr val="000000"/>
+              </a:solidFill>
+              <a:latin typeface="Arial"/>
+            </a:endParaRPr>
+          </a:p>
+          <a:p>
+            <a:pPr lvl="1" marL="864000" indent="-324000">
+              <a:lnSpc>
+                <a:spcPct val="100000"/>
+              </a:lnSpc>
+              <a:spcBef>
+                <a:spcPts val="1134"/>
+              </a:spcBef>
+              <a:buClr>
+                <a:srgbClr val="000000"/>
+              </a:buClr>
+              <a:buSzPct val="75000"/>
+              <a:buFont typeface="Symbol" charset="2"/>
+              <a:buChar char=""/>
+            </a:pPr>
+            <a:r>
+              <a:rPr b="0" lang="fr-FR" sz="2800" spc="-1" strike="noStrike">
+                <a:solidFill>
+                  <a:srgbClr val="000000"/>
+                </a:solidFill>
+                <a:latin typeface="Arial"/>
+              </a:rPr>
+              <a:t>Services Métiers : Logique qui ne correspond pas à une entité ou un objet de valeur.</a:t>
+            </a:r>
+            <a:endParaRPr b="0" lang="fr-FR" sz="2800" spc="-1" strike="noStrike">
+              <a:solidFill>
+                <a:srgbClr val="000000"/>
+              </a:solidFill>
+              <a:latin typeface="Arial"/>
+            </a:endParaRPr>
+          </a:p>
+          <a:p>
             <a:pPr marL="432000" indent="-324000">
+              <a:lnSpc>
+                <a:spcPct val="100000"/>
+              </a:lnSpc>
               <a:spcBef>
                 <a:spcPts val="1417"/>
               </a:spcBef>
@@ -2776,7 +3564,245 @@
                 </a:solidFill>
                 <a:latin typeface="Arial"/>
               </a:rPr>
-              <a:t>Réutilisabilité : Les ports permettent de remplacer ou de changer les implémentations techniques sans impact sur le domaine.</a:t>
+              <a:t>Application : Permet de structurer le code autour du vocabulaire et des règles du domaine</a:t>
+            </a:r>
+            <a:endParaRPr b="0" lang="fr-FR" sz="3200" spc="-1" strike="noStrike">
+              <a:solidFill>
+                <a:srgbClr val="000000"/>
+              </a:solidFill>
+              <a:latin typeface="Arial"/>
+            </a:endParaRPr>
+          </a:p>
+        </p:txBody>
+      </p:sp>
+    </p:spTree>
+  </p:cSld>
+  <mc:AlternateContent>
+    <mc:Choice Requires="p14">
+      <p:transition spd="slow" p14:dur="2000"/>
+    </mc:Choice>
+    <mc:Fallback>
+      <p:transition spd="slow"/>
+    </mc:Fallback>
+  </mc:AlternateContent>
+</p:sld>
+</file>
+
+<file path=ppt/slides/slide9.xml><?xml version="1.0" encoding="utf-8"?>
+<p:sld xmlns:a="http://schemas.openxmlformats.org/drawingml/2006/main" xmlns:p="http://schemas.openxmlformats.org/presentationml/2006/main" xmlns:r="http://schemas.openxmlformats.org/officeDocument/2006/relationships" xmlns:p14="http://schemas.microsoft.com/office/powerpoint/2010/main" xmlns:p15="http://schemas.microsoft.com/office/powerpoint/2012/main" xmlns:mc="http://schemas.openxmlformats.org/markup-compatibility/2006">
+  <p:cSld>
+    <p:spTree>
+      <p:nvGrpSpPr>
+        <p:cNvPr id="1" name=""/>
+        <p:cNvGrpSpPr/>
+        <p:nvPr/>
+      </p:nvGrpSpPr>
+      <p:grpSpPr>
+        <a:xfrm>
+          <a:off x="0" y="0"/>
+          <a:ext cx="0" cy="0"/>
+          <a:chOff x="0" y="0"/>
+          <a:chExt cx="0" cy="0"/>
+        </a:xfrm>
+      </p:grpSpPr>
+      <p:sp>
+        <p:nvSpPr>
+          <p:cNvPr id="32" name="PlaceHolder 1"/>
+          <p:cNvSpPr>
+            <a:spLocks noGrp="1"/>
+          </p:cNvSpPr>
+          <p:nvPr>
+            <p:ph type="title"/>
+          </p:nvPr>
+        </p:nvSpPr>
+        <p:spPr>
+          <a:xfrm>
+            <a:off x="504000" y="74160"/>
+            <a:ext cx="9071280" cy="1249920"/>
+          </a:xfrm>
+          <a:prstGeom prst="rect">
+            <a:avLst/>
+          </a:prstGeom>
+          <a:noFill/>
+          <a:ln w="0">
+            <a:noFill/>
+          </a:ln>
+        </p:spPr>
+        <p:txBody>
+          <a:bodyPr lIns="0" rIns="0" tIns="0" bIns="0" anchor="ctr">
+            <a:noAutofit/>
+          </a:bodyPr>
+          <a:p>
+            <a:pPr indent="0" algn="ctr">
+              <a:lnSpc>
+                <a:spcPct val="100000"/>
+              </a:lnSpc>
+              <a:buNone/>
+              <a:tabLst>
+                <a:tab algn="l" pos="0"/>
+              </a:tabLst>
+            </a:pPr>
+            <a:r>
+              <a:rPr b="0" lang="fr-FR" sz="4400" spc="-1" strike="noStrike">
+                <a:solidFill>
+                  <a:srgbClr val="000000"/>
+                </a:solidFill>
+                <a:latin typeface="Arial"/>
+              </a:rPr>
+              <a:t>Separation of Concerns : Domain et Infrastructure</a:t>
+            </a:r>
+            <a:endParaRPr b="0" lang="fr-FR" sz="4400" spc="-1" strike="noStrike">
+              <a:solidFill>
+                <a:srgbClr val="000000"/>
+              </a:solidFill>
+              <a:latin typeface="Arial"/>
+            </a:endParaRPr>
+          </a:p>
+        </p:txBody>
+      </p:sp>
+      <p:sp>
+        <p:nvSpPr>
+          <p:cNvPr id="33" name="PlaceHolder 2"/>
+          <p:cNvSpPr>
+            <a:spLocks noGrp="1"/>
+          </p:cNvSpPr>
+          <p:nvPr>
+            <p:ph/>
+          </p:nvPr>
+        </p:nvSpPr>
+        <p:spPr>
+          <a:xfrm>
+            <a:off x="504000" y="1326600"/>
+            <a:ext cx="9071280" cy="3287880"/>
+          </a:xfrm>
+          <a:prstGeom prst="rect">
+            <a:avLst/>
+          </a:prstGeom>
+          <a:noFill/>
+          <a:ln w="0">
+            <a:noFill/>
+          </a:ln>
+        </p:spPr>
+        <p:txBody>
+          <a:bodyPr lIns="0" rIns="0" tIns="0" bIns="0" anchor="t">
+            <a:normAutofit fontScale="62222"/>
+          </a:bodyPr>
+          <a:p>
+            <a:pPr marL="432000" indent="-324000">
+              <a:lnSpc>
+                <a:spcPct val="100000"/>
+              </a:lnSpc>
+              <a:spcBef>
+                <a:spcPts val="1417"/>
+              </a:spcBef>
+              <a:buClr>
+                <a:srgbClr val="000000"/>
+              </a:buClr>
+              <a:buSzPct val="45000"/>
+              <a:buFont typeface="Wingdings" charset="2"/>
+              <a:buChar char=""/>
+            </a:pPr>
+            <a:r>
+              <a:rPr b="0" lang="fr-FR" sz="3200" spc="-1" strike="noStrike">
+                <a:solidFill>
+                  <a:srgbClr val="000000"/>
+                </a:solidFill>
+                <a:latin typeface="Arial"/>
+              </a:rPr>
+              <a:t>Domain : Partie purement métier, autonome par rapport aux outils et technologies.</a:t>
+            </a:r>
+            <a:endParaRPr b="0" lang="fr-FR" sz="3200" spc="-1" strike="noStrike">
+              <a:solidFill>
+                <a:srgbClr val="000000"/>
+              </a:solidFill>
+              <a:latin typeface="Arial"/>
+            </a:endParaRPr>
+          </a:p>
+          <a:p>
+            <a:pPr marL="432000" indent="-324000">
+              <a:lnSpc>
+                <a:spcPct val="100000"/>
+              </a:lnSpc>
+              <a:spcBef>
+                <a:spcPts val="1417"/>
+              </a:spcBef>
+              <a:buClr>
+                <a:srgbClr val="000000"/>
+              </a:buClr>
+              <a:buSzPct val="45000"/>
+              <a:buFont typeface="Wingdings" charset="2"/>
+              <a:buChar char=""/>
+            </a:pPr>
+            <a:r>
+              <a:rPr b="0" lang="fr-FR" sz="3200" spc="-1" strike="noStrike">
+                <a:solidFill>
+                  <a:srgbClr val="000000"/>
+                </a:solidFill>
+                <a:latin typeface="Arial"/>
+              </a:rPr>
+              <a:t>Application Layer : Orchestrateur des opérations métier, en utilisant les ports définis.</a:t>
+            </a:r>
+            <a:endParaRPr b="0" lang="fr-FR" sz="3200" spc="-1" strike="noStrike">
+              <a:solidFill>
+                <a:srgbClr val="000000"/>
+              </a:solidFill>
+              <a:latin typeface="Arial"/>
+            </a:endParaRPr>
+          </a:p>
+          <a:p>
+            <a:pPr marL="432000" indent="-324000">
+              <a:lnSpc>
+                <a:spcPct val="100000"/>
+              </a:lnSpc>
+              <a:spcBef>
+                <a:spcPts val="1417"/>
+              </a:spcBef>
+              <a:buClr>
+                <a:srgbClr val="000000"/>
+              </a:buClr>
+              <a:buSzPct val="45000"/>
+              <a:buFont typeface="Wingdings" charset="2"/>
+              <a:buChar char=""/>
+            </a:pPr>
+            <a:r>
+              <a:rPr b="0" lang="fr-FR" sz="3200" spc="-1" strike="noStrike">
+                <a:solidFill>
+                  <a:srgbClr val="000000"/>
+                </a:solidFill>
+                <a:latin typeface="Arial"/>
+              </a:rPr>
+              <a:t>Infrastructure Layer : Gère les détails techniques (ex: bases de données, APIs externes).</a:t>
+            </a:r>
+            <a:endParaRPr b="0" lang="fr-FR" sz="3200" spc="-1" strike="noStrike">
+              <a:solidFill>
+                <a:srgbClr val="000000"/>
+              </a:solidFill>
+              <a:latin typeface="Arial"/>
+            </a:endParaRPr>
+          </a:p>
+          <a:p>
+            <a:pPr marL="432000" indent="-324000">
+              <a:lnSpc>
+                <a:spcPct val="100000"/>
+              </a:lnSpc>
+              <a:spcBef>
+                <a:spcPts val="1417"/>
+              </a:spcBef>
+              <a:buClr>
+                <a:srgbClr val="000000"/>
+              </a:buClr>
+              <a:buSzPct val="45000"/>
+              <a:buFont typeface="Wingdings" charset="2"/>
+              <a:buChar char=""/>
+            </a:pPr>
+            <a:r>
+              <a:rPr b="0" lang="fr-FR" sz="3200" spc="-1" strike="noStrike">
+                <a:solidFill>
+                  <a:srgbClr val="000000"/>
+                </a:solidFill>
+                <a:latin typeface="Arial"/>
+              </a:rPr>
+              <a:t>Ports et Adaptateurs : Les ports sont des interfaces (abstractions) définies par le domaine ; les adaptateurs (implémentations) se trouvent dans l’infrastructure.</a:t>
             </a:r>
             <a:endParaRPr b="0" lang="fr-FR" sz="3200" spc="-1" strike="noStrike">
               <a:solidFill>
@@ -2904,4 +3930,110 @@
     </a:fmtScheme>
   </a:themeElements>
 </a:theme>
+</file>
+
+<file path=ppt/theme/theme2.xml><?xml version="1.0" encoding="utf-8"?>
+<a:theme xmlns:a="http://schemas.openxmlformats.org/drawingml/2006/main" xmlns:r="http://schemas.openxmlformats.org/officeDocument/2006/relationships" name="Office">
+  <a:themeElements>
+    <a:clrScheme name="LibreOffice">
+      <a:dk1>
+        <a:srgbClr val="000000"/>
+      </a:dk1>
+      <a:lt1>
+        <a:srgbClr val="ffffff"/>
+      </a:lt1>
+      <a:dk2>
+        <a:srgbClr val="000000"/>
+      </a:dk2>
+      <a:lt2>
+        <a:srgbClr val="ffffff"/>
+      </a:lt2>
+      <a:accent1>
+        <a:srgbClr val="18a303"/>
+      </a:accent1>
+      <a:accent2>
+        <a:srgbClr val="0369a3"/>
+      </a:accent2>
+      <a:accent3>
+        <a:srgbClr val="a33e03"/>
+      </a:accent3>
+      <a:accent4>
+        <a:srgbClr val="8e03a3"/>
+      </a:accent4>
+      <a:accent5>
+        <a:srgbClr val="c99c00"/>
+      </a:accent5>
+      <a:accent6>
+        <a:srgbClr val="c9211e"/>
+      </a:accent6>
+      <a:hlink>
+        <a:srgbClr val="0000ee"/>
+      </a:hlink>
+      <a:folHlink>
+        <a:srgbClr val="551a8b"/>
+      </a:folHlink>
+    </a:clrScheme>
+    <a:fontScheme name="Office">
+      <a:majorFont>
+        <a:latin typeface="Arial" pitchFamily="0" charset="1"/>
+        <a:ea typeface="DejaVu Sans" pitchFamily="0" charset="1"/>
+        <a:cs typeface="DejaVu Sans" pitchFamily="0" charset="1"/>
+      </a:majorFont>
+      <a:minorFont>
+        <a:latin typeface="Arial" pitchFamily="0" charset="1"/>
+        <a:ea typeface="DejaVu Sans" pitchFamily="0" charset="1"/>
+        <a:cs typeface="DejaVu Sans" pitchFamily="0" charset="1"/>
+      </a:minorFont>
+    </a:fontScheme>
+    <a:fmtScheme>
+      <a:fillStyleLst>
+        <a:solidFill>
+          <a:schemeClr val="phClr"/>
+        </a:solidFill>
+        <a:solidFill>
+          <a:schemeClr val="phClr"/>
+        </a:solidFill>
+        <a:solidFill>
+          <a:schemeClr val="phClr"/>
+        </a:solidFill>
+      </a:fillStyleLst>
+      <a:lnStyleLst>
+        <a:ln w="6350" cap="flat" cmpd="sng" algn="ctr">
+          <a:prstDash val="solid"/>
+          <a:miter/>
+        </a:ln>
+        <a:ln w="6350" cap="flat" cmpd="sng" algn="ctr">
+          <a:prstDash val="solid"/>
+          <a:miter/>
+        </a:ln>
+        <a:ln w="6350" cap="flat" cmpd="sng" algn="ctr">
+          <a:prstDash val="solid"/>
+          <a:miter/>
+        </a:ln>
+      </a:lnStyleLst>
+      <a:effectStyleLst>
+        <a:effectStyle>
+          <a:effectLst/>
+        </a:effectStyle>
+        <a:effectStyle>
+          <a:effectLst/>
+        </a:effectStyle>
+        <a:effectStyle>
+          <a:effectLst/>
+        </a:effectStyle>
+      </a:effectStyleLst>
+      <a:bgFillStyleLst>
+        <a:solidFill>
+          <a:schemeClr val="phClr"/>
+        </a:solidFill>
+        <a:solidFill>
+          <a:schemeClr val="phClr"/>
+        </a:solidFill>
+        <a:solidFill>
+          <a:schemeClr val="phClr"/>
+        </a:solidFill>
+      </a:bgFillStyleLst>
+    </a:fmtScheme>
+  </a:themeElements>
+</a:theme>
 </file>